--- a/cse135wirediagram.pptx
+++ b/cse135wirediagram.pptx
@@ -288,7 +288,7 @@
           <a:p>
             <a:fld id="{EE0C2178-2E82-D643-9F71-942F8020EBB4}" type="datetimeFigureOut">
               <a:rPr lang="en-US" smtClean="0"/>
-              <a:t>4/30/14</a:t>
+              <a:t>5/2/14</a:t>
             </a:fld>
             <a:endParaRPr lang="en-US"/>
           </a:p>
@@ -458,7 +458,7 @@
           <a:p>
             <a:fld id="{EE0C2178-2E82-D643-9F71-942F8020EBB4}" type="datetimeFigureOut">
               <a:rPr lang="en-US" smtClean="0"/>
-              <a:t>4/30/14</a:t>
+              <a:t>5/2/14</a:t>
             </a:fld>
             <a:endParaRPr lang="en-US"/>
           </a:p>
@@ -638,7 +638,7 @@
           <a:p>
             <a:fld id="{EE0C2178-2E82-D643-9F71-942F8020EBB4}" type="datetimeFigureOut">
               <a:rPr lang="en-US" smtClean="0"/>
-              <a:t>4/30/14</a:t>
+              <a:t>5/2/14</a:t>
             </a:fld>
             <a:endParaRPr lang="en-US"/>
           </a:p>
@@ -808,7 +808,7 @@
           <a:p>
             <a:fld id="{EE0C2178-2E82-D643-9F71-942F8020EBB4}" type="datetimeFigureOut">
               <a:rPr lang="en-US" smtClean="0"/>
-              <a:t>4/30/14</a:t>
+              <a:t>5/2/14</a:t>
             </a:fld>
             <a:endParaRPr lang="en-US"/>
           </a:p>
@@ -1054,7 +1054,7 @@
           <a:p>
             <a:fld id="{EE0C2178-2E82-D643-9F71-942F8020EBB4}" type="datetimeFigureOut">
               <a:rPr lang="en-US" smtClean="0"/>
-              <a:t>4/30/14</a:t>
+              <a:t>5/2/14</a:t>
             </a:fld>
             <a:endParaRPr lang="en-US"/>
           </a:p>
@@ -1342,7 +1342,7 @@
           <a:p>
             <a:fld id="{EE0C2178-2E82-D643-9F71-942F8020EBB4}" type="datetimeFigureOut">
               <a:rPr lang="en-US" smtClean="0"/>
-              <a:t>4/30/14</a:t>
+              <a:t>5/2/14</a:t>
             </a:fld>
             <a:endParaRPr lang="en-US"/>
           </a:p>
@@ -1764,7 +1764,7 @@
           <a:p>
             <a:fld id="{EE0C2178-2E82-D643-9F71-942F8020EBB4}" type="datetimeFigureOut">
               <a:rPr lang="en-US" smtClean="0"/>
-              <a:t>4/30/14</a:t>
+              <a:t>5/2/14</a:t>
             </a:fld>
             <a:endParaRPr lang="en-US"/>
           </a:p>
@@ -1882,7 +1882,7 @@
           <a:p>
             <a:fld id="{EE0C2178-2E82-D643-9F71-942F8020EBB4}" type="datetimeFigureOut">
               <a:rPr lang="en-US" smtClean="0"/>
-              <a:t>4/30/14</a:t>
+              <a:t>5/2/14</a:t>
             </a:fld>
             <a:endParaRPr lang="en-US"/>
           </a:p>
@@ -1977,7 +1977,7 @@
           <a:p>
             <a:fld id="{EE0C2178-2E82-D643-9F71-942F8020EBB4}" type="datetimeFigureOut">
               <a:rPr lang="en-US" smtClean="0"/>
-              <a:t>4/30/14</a:t>
+              <a:t>5/2/14</a:t>
             </a:fld>
             <a:endParaRPr lang="en-US"/>
           </a:p>
@@ -2254,7 +2254,7 @@
           <a:p>
             <a:fld id="{EE0C2178-2E82-D643-9F71-942F8020EBB4}" type="datetimeFigureOut">
               <a:rPr lang="en-US" smtClean="0"/>
-              <a:t>4/30/14</a:t>
+              <a:t>5/2/14</a:t>
             </a:fld>
             <a:endParaRPr lang="en-US"/>
           </a:p>
@@ -2507,7 +2507,7 @@
           <a:p>
             <a:fld id="{EE0C2178-2E82-D643-9F71-942F8020EBB4}" type="datetimeFigureOut">
               <a:rPr lang="en-US" smtClean="0"/>
-              <a:t>4/30/14</a:t>
+              <a:t>5/2/14</a:t>
             </a:fld>
             <a:endParaRPr lang="en-US"/>
           </a:p>
@@ -2720,7 +2720,7 @@
           <a:p>
             <a:fld id="{EE0C2178-2E82-D643-9F71-942F8020EBB4}" type="datetimeFigureOut">
               <a:rPr lang="en-US" smtClean="0"/>
-              <a:t>4/30/14</a:t>
+              <a:t>5/2/14</a:t>
             </a:fld>
             <a:endParaRPr lang="en-US"/>
           </a:p>
@@ -3251,15 +3251,7 @@
                   <a:srgbClr val="000000"/>
                 </a:solidFill>
               </a:rPr>
-              <a:t>l</a:t>
-            </a:r>
-            <a:r>
-              <a:rPr lang="en-US" dirty="0" err="1" smtClean="0">
-                <a:solidFill>
-                  <a:srgbClr val="000000"/>
-                </a:solidFill>
-              </a:rPr>
-              <a:t>ogin_confirm.jsp</a:t>
+              <a:t>login_confirm.jsp</a:t>
             </a:r>
             <a:endParaRPr lang="en-US" dirty="0">
               <a:solidFill>
@@ -3511,7 +3503,7 @@
         </p:nvSpPr>
         <p:spPr>
           <a:xfrm>
-            <a:off x="5263808" y="2080948"/>
+            <a:off x="5248992" y="5507041"/>
             <a:ext cx="2358649" cy="497417"/>
           </a:xfrm>
           <a:prstGeom prst="rect">
@@ -3817,6 +3809,308 @@
           </a:p>
         </p:txBody>
       </p:sp>
+      <p:sp>
+        <p:nvSpPr>
+          <p:cNvPr id="5" name="Rectangle 4"/>
+          <p:cNvSpPr/>
+          <p:nvPr/>
+        </p:nvSpPr>
+        <p:spPr>
+          <a:xfrm>
+            <a:off x="5248992" y="2598762"/>
+            <a:ext cx="2066675" cy="582084"/>
+          </a:xfrm>
+          <a:prstGeom prst="rect">
+            <a:avLst/>
+          </a:prstGeom>
+        </p:spPr>
+        <p:style>
+          <a:lnRef idx="1">
+            <a:schemeClr val="accent1"/>
+          </a:lnRef>
+          <a:fillRef idx="3">
+            <a:schemeClr val="accent1"/>
+          </a:fillRef>
+          <a:effectRef idx="2">
+            <a:schemeClr val="accent1"/>
+          </a:effectRef>
+          <a:fontRef idx="minor">
+            <a:schemeClr val="lt1"/>
+          </a:fontRef>
+        </p:style>
+        <p:txBody>
+          <a:bodyPr rtlCol="0" anchor="ctr"/>
+          <a:lstStyle/>
+          <a:p>
+            <a:pPr algn="ctr"/>
+            <a:r>
+              <a:rPr lang="en-US" dirty="0" err="1" smtClean="0">
+                <a:solidFill>
+                  <a:srgbClr val="000000"/>
+                </a:solidFill>
+              </a:rPr>
+              <a:t>buycart.jsp</a:t>
+            </a:r>
+            <a:endParaRPr lang="en-US" dirty="0">
+              <a:solidFill>
+                <a:srgbClr val="000000"/>
+              </a:solidFill>
+            </a:endParaRPr>
+          </a:p>
+        </p:txBody>
+      </p:sp>
+      <p:sp>
+        <p:nvSpPr>
+          <p:cNvPr id="19" name="Rectangle 18"/>
+          <p:cNvSpPr/>
+          <p:nvPr/>
+        </p:nvSpPr>
+        <p:spPr>
+          <a:xfrm>
+            <a:off x="6728479" y="4212458"/>
+            <a:ext cx="2066675" cy="582084"/>
+          </a:xfrm>
+          <a:prstGeom prst="rect">
+            <a:avLst/>
+          </a:prstGeom>
+        </p:spPr>
+        <p:style>
+          <a:lnRef idx="1">
+            <a:schemeClr val="accent1"/>
+          </a:lnRef>
+          <a:fillRef idx="3">
+            <a:schemeClr val="accent1"/>
+          </a:fillRef>
+          <a:effectRef idx="2">
+            <a:schemeClr val="accent1"/>
+          </a:effectRef>
+          <a:fontRef idx="minor">
+            <a:schemeClr val="lt1"/>
+          </a:fontRef>
+        </p:style>
+        <p:txBody>
+          <a:bodyPr rtlCol="0" anchor="ctr"/>
+          <a:lstStyle/>
+          <a:p>
+            <a:pPr algn="ctr"/>
+            <a:r>
+              <a:rPr lang="en-US" dirty="0" err="1">
+                <a:solidFill>
+                  <a:srgbClr val="000000"/>
+                </a:solidFill>
+              </a:rPr>
+              <a:t>c</a:t>
+            </a:r>
+            <a:r>
+              <a:rPr lang="en-US" dirty="0" err="1" smtClean="0">
+                <a:solidFill>
+                  <a:srgbClr val="000000"/>
+                </a:solidFill>
+              </a:rPr>
+              <a:t>onfirmation.jsp</a:t>
+            </a:r>
+            <a:endParaRPr lang="en-US" dirty="0">
+              <a:solidFill>
+                <a:srgbClr val="000000"/>
+              </a:solidFill>
+            </a:endParaRPr>
+          </a:p>
+        </p:txBody>
+      </p:sp>
+      <p:sp>
+        <p:nvSpPr>
+          <p:cNvPr id="21" name="Rectangle 20"/>
+          <p:cNvSpPr/>
+          <p:nvPr/>
+        </p:nvSpPr>
+        <p:spPr>
+          <a:xfrm>
+            <a:off x="3529676" y="4212458"/>
+            <a:ext cx="2066675" cy="582084"/>
+          </a:xfrm>
+          <a:prstGeom prst="rect">
+            <a:avLst/>
+          </a:prstGeom>
+        </p:spPr>
+        <p:style>
+          <a:lnRef idx="1">
+            <a:schemeClr val="accent1"/>
+          </a:lnRef>
+          <a:fillRef idx="3">
+            <a:schemeClr val="accent1"/>
+          </a:fillRef>
+          <a:effectRef idx="2">
+            <a:schemeClr val="accent1"/>
+          </a:effectRef>
+          <a:fontRef idx="minor">
+            <a:schemeClr val="lt1"/>
+          </a:fontRef>
+        </p:style>
+        <p:txBody>
+          <a:bodyPr rtlCol="0" anchor="ctr"/>
+          <a:lstStyle/>
+          <a:p>
+            <a:pPr algn="ctr"/>
+            <a:r>
+              <a:rPr lang="en-US" dirty="0" err="1" smtClean="0">
+                <a:solidFill>
+                  <a:srgbClr val="000000"/>
+                </a:solidFill>
+              </a:rPr>
+              <a:t>productorder.jsp</a:t>
+            </a:r>
+            <a:endParaRPr lang="en-US" dirty="0">
+              <a:solidFill>
+                <a:srgbClr val="000000"/>
+              </a:solidFill>
+            </a:endParaRPr>
+          </a:p>
+        </p:txBody>
+      </p:sp>
+      <p:cxnSp>
+        <p:nvCxnSpPr>
+          <p:cNvPr id="10" name="Straight Arrow Connector 9"/>
+          <p:cNvCxnSpPr>
+            <a:stCxn id="76" idx="0"/>
+            <a:endCxn id="21" idx="3"/>
+          </p:cNvCxnSpPr>
+          <p:nvPr/>
+        </p:nvCxnSpPr>
+        <p:spPr>
+          <a:xfrm flipH="1" flipV="1">
+            <a:off x="5596351" y="4503500"/>
+            <a:ext cx="831966" cy="1003541"/>
+          </a:xfrm>
+          <a:prstGeom prst="straightConnector1">
+            <a:avLst/>
+          </a:prstGeom>
+          <a:ln>
+            <a:tailEnd type="arrow"/>
+          </a:ln>
+        </p:spPr>
+        <p:style>
+          <a:lnRef idx="2">
+            <a:schemeClr val="accent1"/>
+          </a:lnRef>
+          <a:fillRef idx="0">
+            <a:schemeClr val="accent1"/>
+          </a:fillRef>
+          <a:effectRef idx="1">
+            <a:schemeClr val="accent1"/>
+          </a:effectRef>
+          <a:fontRef idx="minor">
+            <a:schemeClr val="tx1"/>
+          </a:fontRef>
+        </p:style>
+      </p:cxnSp>
+      <p:cxnSp>
+        <p:nvCxnSpPr>
+          <p:cNvPr id="14" name="Straight Arrow Connector 13"/>
+          <p:cNvCxnSpPr>
+            <a:stCxn id="21" idx="2"/>
+            <a:endCxn id="76" idx="1"/>
+          </p:cNvCxnSpPr>
+          <p:nvPr/>
+        </p:nvCxnSpPr>
+        <p:spPr>
+          <a:xfrm>
+            <a:off x="4563014" y="4794542"/>
+            <a:ext cx="685978" cy="961208"/>
+          </a:xfrm>
+          <a:prstGeom prst="straightConnector1">
+            <a:avLst/>
+          </a:prstGeom>
+          <a:ln>
+            <a:tailEnd type="arrow"/>
+          </a:ln>
+        </p:spPr>
+        <p:style>
+          <a:lnRef idx="2">
+            <a:schemeClr val="accent1"/>
+          </a:lnRef>
+          <a:fillRef idx="0">
+            <a:schemeClr val="accent1"/>
+          </a:fillRef>
+          <a:effectRef idx="1">
+            <a:schemeClr val="accent1"/>
+          </a:effectRef>
+          <a:fontRef idx="minor">
+            <a:schemeClr val="tx1"/>
+          </a:fontRef>
+        </p:style>
+      </p:cxnSp>
+      <p:cxnSp>
+        <p:nvCxnSpPr>
+          <p:cNvPr id="16" name="Straight Arrow Connector 15"/>
+          <p:cNvCxnSpPr>
+            <a:stCxn id="5" idx="2"/>
+            <a:endCxn id="19" idx="0"/>
+          </p:cNvCxnSpPr>
+          <p:nvPr/>
+        </p:nvCxnSpPr>
+        <p:spPr>
+          <a:xfrm>
+            <a:off x="6282330" y="3180846"/>
+            <a:ext cx="1479487" cy="1031612"/>
+          </a:xfrm>
+          <a:prstGeom prst="straightConnector1">
+            <a:avLst/>
+          </a:prstGeom>
+          <a:ln>
+            <a:tailEnd type="arrow"/>
+          </a:ln>
+        </p:spPr>
+        <p:style>
+          <a:lnRef idx="2">
+            <a:schemeClr val="accent1"/>
+          </a:lnRef>
+          <a:fillRef idx="0">
+            <a:schemeClr val="accent1"/>
+          </a:fillRef>
+          <a:effectRef idx="1">
+            <a:schemeClr val="accent1"/>
+          </a:effectRef>
+          <a:fontRef idx="minor">
+            <a:schemeClr val="tx1"/>
+          </a:fontRef>
+        </p:style>
+      </p:cxnSp>
+      <p:cxnSp>
+        <p:nvCxnSpPr>
+          <p:cNvPr id="30" name="Straight Arrow Connector 29"/>
+          <p:cNvCxnSpPr>
+            <a:stCxn id="19" idx="2"/>
+            <a:endCxn id="76" idx="3"/>
+          </p:cNvCxnSpPr>
+          <p:nvPr/>
+        </p:nvCxnSpPr>
+        <p:spPr>
+          <a:xfrm flipH="1">
+            <a:off x="7607641" y="4794542"/>
+            <a:ext cx="154176" cy="961208"/>
+          </a:xfrm>
+          <a:prstGeom prst="straightConnector1">
+            <a:avLst/>
+          </a:prstGeom>
+          <a:ln>
+            <a:tailEnd type="arrow"/>
+          </a:ln>
+        </p:spPr>
+        <p:style>
+          <a:lnRef idx="2">
+            <a:schemeClr val="accent1"/>
+          </a:lnRef>
+          <a:fillRef idx="0">
+            <a:schemeClr val="accent1"/>
+          </a:fillRef>
+          <a:effectRef idx="1">
+            <a:schemeClr val="accent1"/>
+          </a:effectRef>
+          <a:fontRef idx="minor">
+            <a:schemeClr val="tx1"/>
+          </a:fontRef>
+        </p:style>
+      </p:cxnSp>
     </p:spTree>
     <p:extLst>
       <p:ext uri="{BB962C8B-B14F-4D97-AF65-F5344CB8AC3E}">

--- a/cse135wirediagram.pptx
+++ b/cse135wirediagram.pptx
@@ -3163,63 +3163,13 @@
       </p:sp>
       <p:sp>
         <p:nvSpPr>
-          <p:cNvPr id="3" name="Rectangle 2"/>
-          <p:cNvSpPr/>
-          <p:nvPr/>
-        </p:nvSpPr>
-        <p:spPr>
-          <a:xfrm>
-            <a:off x="650875" y="3710473"/>
-            <a:ext cx="1606783" cy="497417"/>
-          </a:xfrm>
-          <a:prstGeom prst="rect">
-            <a:avLst/>
-          </a:prstGeom>
-        </p:spPr>
-        <p:style>
-          <a:lnRef idx="1">
-            <a:schemeClr val="accent1"/>
-          </a:lnRef>
-          <a:fillRef idx="3">
-            <a:schemeClr val="accent1"/>
-          </a:fillRef>
-          <a:effectRef idx="2">
-            <a:schemeClr val="accent1"/>
-          </a:effectRef>
-          <a:fontRef idx="minor">
-            <a:schemeClr val="lt1"/>
-          </a:fontRef>
-        </p:style>
-        <p:txBody>
-          <a:bodyPr rtlCol="0" anchor="ctr"/>
-          <a:lstStyle/>
-          <a:p>
-            <a:pPr algn="ctr"/>
-            <a:r>
-              <a:rPr lang="en-US" dirty="0" err="1" smtClean="0">
-                <a:solidFill>
-                  <a:srgbClr val="000000"/>
-                </a:solidFill>
-              </a:rPr>
-              <a:t>products.jsp</a:t>
-            </a:r>
-            <a:endParaRPr lang="en-US" dirty="0">
-              <a:solidFill>
-                <a:srgbClr val="000000"/>
-              </a:solidFill>
-            </a:endParaRPr>
-          </a:p>
-        </p:txBody>
-      </p:sp>
-      <p:sp>
-        <p:nvSpPr>
           <p:cNvPr id="4" name="Rectangle 3"/>
           <p:cNvSpPr/>
           <p:nvPr/>
         </p:nvSpPr>
         <p:spPr>
           <a:xfrm>
-            <a:off x="3052601" y="895351"/>
+            <a:off x="5026869" y="31639"/>
             <a:ext cx="2009078" cy="497417"/>
           </a:xfrm>
           <a:prstGeom prst="rect">
@@ -3261,84 +3211,6 @@
           </a:p>
         </p:txBody>
       </p:sp>
-      <p:sp>
-        <p:nvSpPr>
-          <p:cNvPr id="7" name="Diamond 6"/>
-          <p:cNvSpPr/>
-          <p:nvPr/>
-        </p:nvSpPr>
-        <p:spPr>
-          <a:xfrm>
-            <a:off x="3184166" y="31639"/>
-            <a:ext cx="1745948" cy="802217"/>
-          </a:xfrm>
-          <a:prstGeom prst="diamond">
-            <a:avLst/>
-          </a:prstGeom>
-        </p:spPr>
-        <p:style>
-          <a:lnRef idx="1">
-            <a:schemeClr val="accent6"/>
-          </a:lnRef>
-          <a:fillRef idx="3">
-            <a:schemeClr val="accent6"/>
-          </a:fillRef>
-          <a:effectRef idx="2">
-            <a:schemeClr val="accent6"/>
-          </a:effectRef>
-          <a:fontRef idx="minor">
-            <a:schemeClr val="lt1"/>
-          </a:fontRef>
-        </p:style>
-        <p:txBody>
-          <a:bodyPr rtlCol="0" anchor="ctr"/>
-          <a:lstStyle/>
-          <a:p>
-            <a:pPr algn="ctr"/>
-            <a:r>
-              <a:rPr lang="en-US" dirty="0" smtClean="0">
-                <a:solidFill>
-                  <a:srgbClr val="000000"/>
-                </a:solidFill>
-              </a:rPr>
-              <a:t>Session</a:t>
-            </a:r>
-          </a:p>
-        </p:txBody>
-      </p:sp>
-      <p:cxnSp>
-        <p:nvCxnSpPr>
-          <p:cNvPr id="43" name="Straight Connector 42"/>
-          <p:cNvCxnSpPr>
-            <a:stCxn id="2" idx="2"/>
-            <a:endCxn id="56" idx="0"/>
-          </p:cNvCxnSpPr>
-          <p:nvPr/>
-        </p:nvCxnSpPr>
-        <p:spPr>
-          <a:xfrm>
-            <a:off x="650875" y="529056"/>
-            <a:ext cx="0" cy="366295"/>
-          </a:xfrm>
-          <a:prstGeom prst="line">
-            <a:avLst/>
-          </a:prstGeom>
-        </p:spPr>
-        <p:style>
-          <a:lnRef idx="2">
-            <a:schemeClr val="accent1"/>
-          </a:lnRef>
-          <a:fillRef idx="0">
-            <a:schemeClr val="accent1"/>
-          </a:fillRef>
-          <a:effectRef idx="1">
-            <a:schemeClr val="accent1"/>
-          </a:effectRef>
-          <a:fontRef idx="minor">
-            <a:schemeClr val="tx1"/>
-          </a:fontRef>
-        </p:style>
-      </p:cxnSp>
       <p:cxnSp>
         <p:nvCxnSpPr>
           <p:cNvPr id="45" name="Straight Connector 44"/>
@@ -3349,7 +3221,7 @@
         </p:nvCxnSpPr>
         <p:spPr>
           <a:xfrm flipV="1">
-            <a:off x="3052601" y="1144060"/>
+            <a:off x="5026869" y="280348"/>
             <a:ext cx="0" cy="16936"/>
           </a:xfrm>
           <a:prstGeom prst="line">
@@ -3375,14 +3247,13 @@
         <p:nvCxnSpPr>
           <p:cNvPr id="69" name="Straight Connector 68"/>
           <p:cNvCxnSpPr>
-            <a:stCxn id="7" idx="2"/>
             <a:endCxn id="4" idx="0"/>
           </p:cNvCxnSpPr>
           <p:nvPr/>
         </p:nvCxnSpPr>
         <p:spPr>
           <a:xfrm>
-            <a:off x="4057140" y="833856"/>
+            <a:off x="6031408" y="-29856"/>
             <a:ext cx="0" cy="61495"/>
           </a:xfrm>
           <a:prstGeom prst="line">
@@ -3412,7 +3283,7 @@
         </p:nvSpPr>
         <p:spPr>
           <a:xfrm>
-            <a:off x="0" y="895351"/>
+            <a:off x="1679771" y="31639"/>
             <a:ext cx="1301750" cy="497417"/>
           </a:xfrm>
           <a:prstGeom prst="rect">
@@ -3462,39 +3333,6 @@
           </a:p>
         </p:txBody>
       </p:sp>
-      <p:cxnSp>
-        <p:nvCxnSpPr>
-          <p:cNvPr id="64" name="Straight Connector 63"/>
-          <p:cNvCxnSpPr>
-            <a:stCxn id="56" idx="3"/>
-            <a:endCxn id="4" idx="1"/>
-          </p:cNvCxnSpPr>
-          <p:nvPr/>
-        </p:nvCxnSpPr>
-        <p:spPr>
-          <a:xfrm>
-            <a:off x="1301750" y="1144060"/>
-            <a:ext cx="1750851" cy="0"/>
-          </a:xfrm>
-          <a:prstGeom prst="line">
-            <a:avLst/>
-          </a:prstGeom>
-        </p:spPr>
-        <p:style>
-          <a:lnRef idx="2">
-            <a:schemeClr val="accent1"/>
-          </a:lnRef>
-          <a:fillRef idx="0">
-            <a:schemeClr val="accent1"/>
-          </a:fillRef>
-          <a:effectRef idx="1">
-            <a:schemeClr val="accent1"/>
-          </a:effectRef>
-          <a:fontRef idx="minor">
-            <a:schemeClr val="tx1"/>
-          </a:fontRef>
-        </p:style>
-      </p:cxnSp>
       <p:sp>
         <p:nvSpPr>
           <p:cNvPr id="76" name="Rectangle 75"/>
@@ -3503,7 +3341,7 @@
         </p:nvSpPr>
         <p:spPr>
           <a:xfrm>
-            <a:off x="5248992" y="5507041"/>
+            <a:off x="1378502" y="2894277"/>
             <a:ext cx="2358649" cy="497417"/>
           </a:xfrm>
           <a:prstGeom prst="rect">
@@ -3535,7 +3373,7 @@
                   <a:srgbClr val="000000"/>
                 </a:solidFill>
               </a:rPr>
-              <a:t>products_browsing.jsp</a:t>
+              <a:t>product_browsing_results.jsp</a:t>
             </a:r>
             <a:endParaRPr lang="en-US" dirty="0">
               <a:solidFill>
@@ -3547,14 +3385,94 @@
       </p:sp>
       <p:sp>
         <p:nvSpPr>
-          <p:cNvPr id="79" name="Rectangle 78"/>
+          <p:cNvPr id="80" name="TextBox 79"/>
+          <p:cNvSpPr txBox="1"/>
+          <p:nvPr/>
+        </p:nvSpPr>
+        <p:spPr>
+          <a:xfrm>
+            <a:off x="3311712" y="344390"/>
+            <a:ext cx="1511995" cy="369332"/>
+          </a:xfrm>
+          <a:prstGeom prst="rect">
+            <a:avLst/>
+          </a:prstGeom>
+          <a:noFill/>
+        </p:spPr>
+        <p:txBody>
+          <a:bodyPr wrap="square" rtlCol="0">
+            <a:spAutoFit/>
+          </a:bodyPr>
+          <a:lstStyle/>
+          <a:p>
+            <a:r>
+              <a:rPr lang="en-US" dirty="0" smtClean="0"/>
+              <a:t>?username=…</a:t>
+            </a:r>
+            <a:endParaRPr lang="en-US" dirty="0"/>
+          </a:p>
+        </p:txBody>
+      </p:sp>
+      <p:sp>
+        <p:nvSpPr>
+          <p:cNvPr id="5" name="Rectangle 4"/>
           <p:cNvSpPr/>
           <p:nvPr/>
         </p:nvSpPr>
         <p:spPr>
           <a:xfrm>
-            <a:off x="993898" y="2101345"/>
-            <a:ext cx="2298463" cy="497417"/>
+            <a:off x="6898392" y="1172496"/>
+            <a:ext cx="2066675" cy="556687"/>
+          </a:xfrm>
+          <a:prstGeom prst="rect">
+            <a:avLst/>
+          </a:prstGeom>
+        </p:spPr>
+        <p:style>
+          <a:lnRef idx="1">
+            <a:schemeClr val="accent1"/>
+          </a:lnRef>
+          <a:fillRef idx="3">
+            <a:schemeClr val="accent1"/>
+          </a:fillRef>
+          <a:effectRef idx="2">
+            <a:schemeClr val="accent1"/>
+          </a:effectRef>
+          <a:fontRef idx="minor">
+            <a:schemeClr val="lt1"/>
+          </a:fontRef>
+        </p:style>
+        <p:txBody>
+          <a:bodyPr rtlCol="0" anchor="ctr"/>
+          <a:lstStyle/>
+          <a:p>
+            <a:pPr algn="ctr"/>
+            <a:r>
+              <a:rPr lang="en-US" dirty="0" err="1" smtClean="0">
+                <a:solidFill>
+                  <a:srgbClr val="000000"/>
+                </a:solidFill>
+              </a:rPr>
+              <a:t>buycart.jsp</a:t>
+            </a:r>
+            <a:endParaRPr lang="en-US" dirty="0">
+              <a:solidFill>
+                <a:srgbClr val="000000"/>
+              </a:solidFill>
+            </a:endParaRPr>
+          </a:p>
+        </p:txBody>
+      </p:sp>
+      <p:sp>
+        <p:nvSpPr>
+          <p:cNvPr id="19" name="Rectangle 18"/>
+          <p:cNvSpPr/>
+          <p:nvPr/>
+        </p:nvSpPr>
+        <p:spPr>
+          <a:xfrm>
+            <a:off x="6898392" y="2809610"/>
+            <a:ext cx="2066675" cy="582084"/>
           </a:xfrm>
           <a:prstGeom prst="rect">
             <a:avLst/>
@@ -3593,263 +3511,7 @@
                   <a:srgbClr val="000000"/>
                 </a:solidFill>
               </a:rPr>
-              <a:t>ategories.jsp</a:t>
-            </a:r>
-            <a:endParaRPr lang="en-US" dirty="0" smtClean="0">
-              <a:solidFill>
-                <a:srgbClr val="000000"/>
-              </a:solidFill>
-            </a:endParaRPr>
-          </a:p>
-        </p:txBody>
-      </p:sp>
-      <p:sp>
-        <p:nvSpPr>
-          <p:cNvPr id="80" name="TextBox 79"/>
-          <p:cNvSpPr txBox="1"/>
-          <p:nvPr/>
-        </p:nvSpPr>
-        <p:spPr>
-          <a:xfrm>
-            <a:off x="1387132" y="774728"/>
-            <a:ext cx="1511995" cy="369332"/>
-          </a:xfrm>
-          <a:prstGeom prst="rect">
-            <a:avLst/>
-          </a:prstGeom>
-          <a:noFill/>
-        </p:spPr>
-        <p:txBody>
-          <a:bodyPr wrap="square" rtlCol="0">
-            <a:spAutoFit/>
-          </a:bodyPr>
-          <a:lstStyle/>
-          <a:p>
-            <a:r>
-              <a:rPr lang="en-US" dirty="0" smtClean="0"/>
-              <a:t>?username=…</a:t>
-            </a:r>
-            <a:endParaRPr lang="en-US" dirty="0"/>
-          </a:p>
-        </p:txBody>
-      </p:sp>
-      <p:sp>
-        <p:nvSpPr>
-          <p:cNvPr id="121" name="Block Arc 120"/>
-          <p:cNvSpPr/>
-          <p:nvPr/>
-        </p:nvSpPr>
-        <p:spPr>
-          <a:xfrm rot="5400000">
-            <a:off x="2605647" y="1765053"/>
-            <a:ext cx="1119930" cy="2021261"/>
-          </a:xfrm>
-          <a:prstGeom prst="blockArc">
-            <a:avLst>
-              <a:gd name="adj1" fmla="val 11490294"/>
-              <a:gd name="adj2" fmla="val 6242204"/>
-              <a:gd name="adj3" fmla="val 0"/>
-            </a:avLst>
-          </a:prstGeom>
-        </p:spPr>
-        <p:style>
-          <a:lnRef idx="1">
-            <a:schemeClr val="accent1"/>
-          </a:lnRef>
-          <a:fillRef idx="3">
-            <a:schemeClr val="accent1"/>
-          </a:fillRef>
-          <a:effectRef idx="2">
-            <a:schemeClr val="accent1"/>
-          </a:effectRef>
-          <a:fontRef idx="minor">
-            <a:schemeClr val="lt1"/>
-          </a:fontRef>
-        </p:style>
-        <p:txBody>
-          <a:bodyPr rtlCol="0" anchor="ctr"/>
-          <a:lstStyle/>
-          <a:p>
-            <a:pPr algn="ctr"/>
-            <a:endParaRPr lang="en-US">
-              <a:solidFill>
-                <a:schemeClr val="tx1"/>
-              </a:solidFill>
-            </a:endParaRPr>
-          </a:p>
-        </p:txBody>
-      </p:sp>
-      <p:sp>
-        <p:nvSpPr>
-          <p:cNvPr id="122" name="TextBox 121"/>
-          <p:cNvSpPr txBox="1"/>
-          <p:nvPr/>
-        </p:nvSpPr>
-        <p:spPr>
-          <a:xfrm>
-            <a:off x="1399602" y="4794542"/>
-            <a:ext cx="1892759" cy="369332"/>
-          </a:xfrm>
-          <a:prstGeom prst="rect">
-            <a:avLst/>
-          </a:prstGeom>
-          <a:noFill/>
-        </p:spPr>
-        <p:txBody>
-          <a:bodyPr wrap="square" rtlCol="0">
-            <a:spAutoFit/>
-          </a:bodyPr>
-          <a:lstStyle/>
-          <a:p>
-            <a:r>
-              <a:rPr lang="en-US" dirty="0" smtClean="0"/>
-              <a:t>?</a:t>
-            </a:r>
-            <a:r>
-              <a:rPr lang="en-US" dirty="0" err="1" smtClean="0"/>
-              <a:t>cid</a:t>
-            </a:r>
-            <a:r>
-              <a:rPr lang="en-US" dirty="0" smtClean="0"/>
-              <a:t>=…&amp;</a:t>
-            </a:r>
-            <a:r>
-              <a:rPr lang="en-US" dirty="0" err="1" smtClean="0"/>
-              <a:t>pid</a:t>
-            </a:r>
-            <a:r>
-              <a:rPr lang="en-US" dirty="0" smtClean="0"/>
-              <a:t>=…</a:t>
-            </a:r>
-            <a:endParaRPr lang="en-US" dirty="0"/>
-          </a:p>
-        </p:txBody>
-      </p:sp>
-      <p:sp>
-        <p:nvSpPr>
-          <p:cNvPr id="126" name="Block Arc 125"/>
-          <p:cNvSpPr/>
-          <p:nvPr/>
-        </p:nvSpPr>
-        <p:spPr>
-          <a:xfrm rot="4996951">
-            <a:off x="1675866" y="3629248"/>
-            <a:ext cx="1032493" cy="1486809"/>
-          </a:xfrm>
-          <a:prstGeom prst="blockArc">
-            <a:avLst>
-              <a:gd name="adj1" fmla="val 11361643"/>
-              <a:gd name="adj2" fmla="val 6680106"/>
-              <a:gd name="adj3" fmla="val 0"/>
-            </a:avLst>
-          </a:prstGeom>
-        </p:spPr>
-        <p:style>
-          <a:lnRef idx="1">
-            <a:schemeClr val="accent1"/>
-          </a:lnRef>
-          <a:fillRef idx="3">
-            <a:schemeClr val="accent1"/>
-          </a:fillRef>
-          <a:effectRef idx="2">
-            <a:schemeClr val="accent1"/>
-          </a:effectRef>
-          <a:fontRef idx="minor">
-            <a:schemeClr val="lt1"/>
-          </a:fontRef>
-        </p:style>
-        <p:txBody>
-          <a:bodyPr rtlCol="0" anchor="ctr"/>
-          <a:lstStyle/>
-          <a:p>
-            <a:pPr algn="ctr"/>
-            <a:endParaRPr lang="en-US">
-              <a:solidFill>
-                <a:schemeClr val="tx1"/>
-              </a:solidFill>
-            </a:endParaRPr>
-          </a:p>
-        </p:txBody>
-      </p:sp>
-      <p:sp>
-        <p:nvSpPr>
-          <p:cNvPr id="127" name="TextBox 126"/>
-          <p:cNvSpPr txBox="1"/>
-          <p:nvPr/>
-        </p:nvSpPr>
-        <p:spPr>
-          <a:xfrm>
-            <a:off x="2794557" y="3265356"/>
-            <a:ext cx="1892759" cy="369332"/>
-          </a:xfrm>
-          <a:prstGeom prst="rect">
-            <a:avLst/>
-          </a:prstGeom>
-          <a:noFill/>
-        </p:spPr>
-        <p:txBody>
-          <a:bodyPr wrap="square" rtlCol="0">
-            <a:spAutoFit/>
-          </a:bodyPr>
-          <a:lstStyle/>
-          <a:p>
-            <a:r>
-              <a:rPr lang="en-US" dirty="0" smtClean="0"/>
-              <a:t>?</a:t>
-            </a:r>
-            <a:r>
-              <a:rPr lang="en-US" dirty="0" err="1" smtClean="0"/>
-              <a:t>cid</a:t>
-            </a:r>
-            <a:r>
-              <a:rPr lang="en-US" dirty="0" smtClean="0"/>
-              <a:t>=</a:t>
-            </a:r>
-            <a:endParaRPr lang="en-US" dirty="0"/>
-          </a:p>
-        </p:txBody>
-      </p:sp>
-      <p:sp>
-        <p:nvSpPr>
-          <p:cNvPr id="5" name="Rectangle 4"/>
-          <p:cNvSpPr/>
-          <p:nvPr/>
-        </p:nvSpPr>
-        <p:spPr>
-          <a:xfrm>
-            <a:off x="5248992" y="2598762"/>
-            <a:ext cx="2066675" cy="582084"/>
-          </a:xfrm>
-          <a:prstGeom prst="rect">
-            <a:avLst/>
-          </a:prstGeom>
-        </p:spPr>
-        <p:style>
-          <a:lnRef idx="1">
-            <a:schemeClr val="accent1"/>
-          </a:lnRef>
-          <a:fillRef idx="3">
-            <a:schemeClr val="accent1"/>
-          </a:fillRef>
-          <a:effectRef idx="2">
-            <a:schemeClr val="accent1"/>
-          </a:effectRef>
-          <a:fontRef idx="minor">
-            <a:schemeClr val="lt1"/>
-          </a:fontRef>
-        </p:style>
-        <p:txBody>
-          <a:bodyPr rtlCol="0" anchor="ctr"/>
-          <a:lstStyle/>
-          <a:p>
-            <a:pPr algn="ctr"/>
-            <a:r>
-              <a:rPr lang="en-US" dirty="0" err="1" smtClean="0">
-                <a:solidFill>
-                  <a:srgbClr val="000000"/>
-                </a:solidFill>
-              </a:rPr>
-              <a:t>buycart.jsp</a:t>
+              <a:t>onfirmation.jsp</a:t>
             </a:r>
             <a:endParaRPr lang="en-US" dirty="0">
               <a:solidFill>
@@ -3861,71 +3523,13 @@
       </p:sp>
       <p:sp>
         <p:nvSpPr>
-          <p:cNvPr id="19" name="Rectangle 18"/>
-          <p:cNvSpPr/>
-          <p:nvPr/>
-        </p:nvSpPr>
-        <p:spPr>
-          <a:xfrm>
-            <a:off x="6728479" y="4212458"/>
-            <a:ext cx="2066675" cy="582084"/>
-          </a:xfrm>
-          <a:prstGeom prst="rect">
-            <a:avLst/>
-          </a:prstGeom>
-        </p:spPr>
-        <p:style>
-          <a:lnRef idx="1">
-            <a:schemeClr val="accent1"/>
-          </a:lnRef>
-          <a:fillRef idx="3">
-            <a:schemeClr val="accent1"/>
-          </a:fillRef>
-          <a:effectRef idx="2">
-            <a:schemeClr val="accent1"/>
-          </a:effectRef>
-          <a:fontRef idx="minor">
-            <a:schemeClr val="lt1"/>
-          </a:fontRef>
-        </p:style>
-        <p:txBody>
-          <a:bodyPr rtlCol="0" anchor="ctr"/>
-          <a:lstStyle/>
-          <a:p>
-            <a:pPr algn="ctr"/>
-            <a:r>
-              <a:rPr lang="en-US" dirty="0" err="1">
-                <a:solidFill>
-                  <a:srgbClr val="000000"/>
-                </a:solidFill>
-              </a:rPr>
-              <a:t>c</a:t>
-            </a:r>
-            <a:r>
-              <a:rPr lang="en-US" dirty="0" err="1" smtClean="0">
-                <a:solidFill>
-                  <a:srgbClr val="000000"/>
-                </a:solidFill>
-              </a:rPr>
-              <a:t>onfirmation.jsp</a:t>
-            </a:r>
-            <a:endParaRPr lang="en-US" dirty="0">
-              <a:solidFill>
-                <a:srgbClr val="000000"/>
-              </a:solidFill>
-            </a:endParaRPr>
-          </a:p>
-        </p:txBody>
-      </p:sp>
-      <p:sp>
-        <p:nvSpPr>
           <p:cNvPr id="21" name="Rectangle 20"/>
           <p:cNvSpPr/>
           <p:nvPr/>
         </p:nvSpPr>
         <p:spPr>
           <a:xfrm>
-            <a:off x="3529676" y="4212458"/>
+            <a:off x="491152" y="4440176"/>
             <a:ext cx="2066675" cy="582084"/>
           </a:xfrm>
           <a:prstGeom prst="rect">
@@ -3971,51 +3575,15 @@
         <p:nvCxnSpPr>
           <p:cNvPr id="10" name="Straight Arrow Connector 9"/>
           <p:cNvCxnSpPr>
-            <a:stCxn id="76" idx="0"/>
+            <a:stCxn id="76" idx="2"/>
             <a:endCxn id="21" idx="3"/>
           </p:cNvCxnSpPr>
           <p:nvPr/>
         </p:nvCxnSpPr>
         <p:spPr>
-          <a:xfrm flipH="1" flipV="1">
-            <a:off x="5596351" y="4503500"/>
-            <a:ext cx="831966" cy="1003541"/>
-          </a:xfrm>
-          <a:prstGeom prst="straightConnector1">
-            <a:avLst/>
-          </a:prstGeom>
-          <a:ln>
-            <a:tailEnd type="arrow"/>
-          </a:ln>
-        </p:spPr>
-        <p:style>
-          <a:lnRef idx="2">
-            <a:schemeClr val="accent1"/>
-          </a:lnRef>
-          <a:fillRef idx="0">
-            <a:schemeClr val="accent1"/>
-          </a:fillRef>
-          <a:effectRef idx="1">
-            <a:schemeClr val="accent1"/>
-          </a:effectRef>
-          <a:fontRef idx="minor">
-            <a:schemeClr val="tx1"/>
-          </a:fontRef>
-        </p:style>
-      </p:cxnSp>
-      <p:cxnSp>
-        <p:nvCxnSpPr>
-          <p:cNvPr id="14" name="Straight Arrow Connector 13"/>
-          <p:cNvCxnSpPr>
-            <a:stCxn id="21" idx="2"/>
-            <a:endCxn id="76" idx="1"/>
-          </p:cNvCxnSpPr>
-          <p:nvPr/>
-        </p:nvCxnSpPr>
-        <p:spPr>
-          <a:xfrm>
-            <a:off x="4563014" y="4794542"/>
-            <a:ext cx="685978" cy="961208"/>
+          <a:xfrm>
+            <a:off x="2557827" y="3391694"/>
+            <a:ext cx="0" cy="1339524"/>
           </a:xfrm>
           <a:prstGeom prst="straightConnector1">
             <a:avLst/>
@@ -4050,8 +3618,333 @@
         </p:nvCxnSpPr>
         <p:spPr>
           <a:xfrm>
-            <a:off x="6282330" y="3180846"/>
-            <a:ext cx="1479487" cy="1031612"/>
+            <a:off x="7931730" y="1729183"/>
+            <a:ext cx="0" cy="1080427"/>
+          </a:xfrm>
+          <a:prstGeom prst="straightConnector1">
+            <a:avLst/>
+          </a:prstGeom>
+          <a:ln>
+            <a:tailEnd type="arrow"/>
+          </a:ln>
+        </p:spPr>
+        <p:style>
+          <a:lnRef idx="2">
+            <a:schemeClr val="accent1"/>
+          </a:lnRef>
+          <a:fillRef idx="0">
+            <a:schemeClr val="accent1"/>
+          </a:fillRef>
+          <a:effectRef idx="1">
+            <a:schemeClr val="accent1"/>
+          </a:effectRef>
+          <a:fontRef idx="minor">
+            <a:schemeClr val="tx1"/>
+          </a:fontRef>
+        </p:style>
+      </p:cxnSp>
+      <p:sp>
+        <p:nvSpPr>
+          <p:cNvPr id="72" name="TextBox 71"/>
+          <p:cNvSpPr txBox="1"/>
+          <p:nvPr/>
+        </p:nvSpPr>
+        <p:spPr>
+          <a:xfrm>
+            <a:off x="7917317" y="2008094"/>
+            <a:ext cx="1047750" cy="369332"/>
+          </a:xfrm>
+          <a:prstGeom prst="rect">
+            <a:avLst/>
+          </a:prstGeom>
+          <a:noFill/>
+        </p:spPr>
+        <p:txBody>
+          <a:bodyPr wrap="square" rtlCol="0">
+            <a:spAutoFit/>
+          </a:bodyPr>
+          <a:lstStyle/>
+          <a:p>
+            <a:r>
+              <a:rPr lang="en-US" dirty="0" smtClean="0"/>
+              <a:t>?</a:t>
+            </a:r>
+            <a:r>
+              <a:rPr lang="en-US" dirty="0" err="1" smtClean="0"/>
+              <a:t>conf</a:t>
+            </a:r>
+            <a:r>
+              <a:rPr lang="en-US" dirty="0" smtClean="0"/>
+              <a:t>=</a:t>
+            </a:r>
+            <a:endParaRPr lang="en-US" dirty="0"/>
+          </a:p>
+        </p:txBody>
+      </p:sp>
+      <p:sp>
+        <p:nvSpPr>
+          <p:cNvPr id="73" name="TextBox 72"/>
+          <p:cNvSpPr txBox="1"/>
+          <p:nvPr/>
+        </p:nvSpPr>
+        <p:spPr>
+          <a:xfrm>
+            <a:off x="1248849" y="3454154"/>
+            <a:ext cx="1676048" cy="923330"/>
+          </a:xfrm>
+          <a:prstGeom prst="rect">
+            <a:avLst/>
+          </a:prstGeom>
+          <a:noFill/>
+        </p:spPr>
+        <p:txBody>
+          <a:bodyPr wrap="square" rtlCol="0">
+            <a:spAutoFit/>
+          </a:bodyPr>
+          <a:lstStyle/>
+          <a:p>
+            <a:r>
+              <a:rPr lang="en-US" dirty="0" smtClean="0"/>
+              <a:t>?order=…&amp;product=…&amp;</a:t>
+            </a:r>
+            <a:r>
+              <a:rPr lang="en-US" dirty="0" err="1" smtClean="0"/>
+              <a:t>cid</a:t>
+            </a:r>
+            <a:r>
+              <a:rPr lang="en-US" dirty="0" smtClean="0"/>
+              <a:t>=…</a:t>
+            </a:r>
+            <a:endParaRPr lang="en-US" dirty="0"/>
+          </a:p>
+        </p:txBody>
+      </p:sp>
+      <p:sp>
+        <p:nvSpPr>
+          <p:cNvPr id="99" name="TextBox 98"/>
+          <p:cNvSpPr txBox="1"/>
+          <p:nvPr/>
+        </p:nvSpPr>
+        <p:spPr>
+          <a:xfrm>
+            <a:off x="47800" y="5154381"/>
+            <a:ext cx="2163174" cy="923330"/>
+          </a:xfrm>
+          <a:prstGeom prst="rect">
+            <a:avLst/>
+          </a:prstGeom>
+          <a:noFill/>
+        </p:spPr>
+        <p:txBody>
+          <a:bodyPr wrap="square" rtlCol="0">
+            <a:spAutoFit/>
+          </a:bodyPr>
+          <a:lstStyle/>
+          <a:p>
+            <a:r>
+              <a:rPr lang="en-US" dirty="0" smtClean="0"/>
+              <a:t>?action=…&amp;product=...</a:t>
+            </a:r>
+          </a:p>
+          <a:p>
+            <a:r>
+              <a:rPr lang="en-US" dirty="0" smtClean="0"/>
+              <a:t>&amp;quantity=…</a:t>
+            </a:r>
+            <a:endParaRPr lang="en-US" dirty="0"/>
+          </a:p>
+        </p:txBody>
+      </p:sp>
+      <p:sp>
+        <p:nvSpPr>
+          <p:cNvPr id="147" name="TextBox 146"/>
+          <p:cNvSpPr txBox="1"/>
+          <p:nvPr/>
+        </p:nvSpPr>
+        <p:spPr>
+          <a:xfrm>
+            <a:off x="7204130" y="112618"/>
+            <a:ext cx="1760937" cy="369332"/>
+          </a:xfrm>
+          <a:prstGeom prst="rect">
+            <a:avLst/>
+          </a:prstGeom>
+          <a:noFill/>
+        </p:spPr>
+        <p:txBody>
+          <a:bodyPr wrap="square" rtlCol="0">
+            <a:spAutoFit/>
+          </a:bodyPr>
+          <a:lstStyle/>
+          <a:p>
+            <a:r>
+              <a:rPr lang="en-US" dirty="0" smtClean="0"/>
+              <a:t>?username=…</a:t>
+            </a:r>
+            <a:endParaRPr lang="en-US" dirty="0"/>
+          </a:p>
+        </p:txBody>
+      </p:sp>
+      <p:cxnSp>
+        <p:nvCxnSpPr>
+          <p:cNvPr id="169" name="Curved Connector 168"/>
+          <p:cNvCxnSpPr>
+            <a:stCxn id="21" idx="1"/>
+            <a:endCxn id="21" idx="2"/>
+          </p:cNvCxnSpPr>
+          <p:nvPr/>
+        </p:nvCxnSpPr>
+        <p:spPr>
+          <a:xfrm rot="10800000" flipH="1" flipV="1">
+            <a:off x="491152" y="4731218"/>
+            <a:ext cx="1033338" cy="291042"/>
+          </a:xfrm>
+          <a:prstGeom prst="curvedConnector4">
+            <a:avLst>
+              <a:gd name="adj1" fmla="val -22122"/>
+              <a:gd name="adj2" fmla="val 178545"/>
+            </a:avLst>
+          </a:prstGeom>
+          <a:ln>
+            <a:tailEnd type="arrow"/>
+          </a:ln>
+        </p:spPr>
+        <p:style>
+          <a:lnRef idx="2">
+            <a:schemeClr val="accent1"/>
+          </a:lnRef>
+          <a:fillRef idx="0">
+            <a:schemeClr val="accent1"/>
+          </a:fillRef>
+          <a:effectRef idx="1">
+            <a:schemeClr val="accent1"/>
+          </a:effectRef>
+          <a:fontRef idx="minor">
+            <a:schemeClr val="tx1"/>
+          </a:fontRef>
+        </p:style>
+      </p:cxnSp>
+      <p:sp>
+        <p:nvSpPr>
+          <p:cNvPr id="183" name="Rectangle 182"/>
+          <p:cNvSpPr/>
+          <p:nvPr/>
+        </p:nvSpPr>
+        <p:spPr>
+          <a:xfrm>
+            <a:off x="4422497" y="2927072"/>
+            <a:ext cx="2066675" cy="792204"/>
+          </a:xfrm>
+          <a:prstGeom prst="rect">
+            <a:avLst/>
+          </a:prstGeom>
+        </p:spPr>
+        <p:style>
+          <a:lnRef idx="1">
+            <a:schemeClr val="accent1"/>
+          </a:lnRef>
+          <a:fillRef idx="3">
+            <a:schemeClr val="accent1"/>
+          </a:fillRef>
+          <a:effectRef idx="2">
+            <a:schemeClr val="accent1"/>
+          </a:effectRef>
+          <a:fontRef idx="minor">
+            <a:schemeClr val="lt1"/>
+          </a:fontRef>
+        </p:style>
+        <p:txBody>
+          <a:bodyPr rtlCol="0" anchor="ctr"/>
+          <a:lstStyle/>
+          <a:p>
+            <a:pPr algn="ctr"/>
+            <a:r>
+              <a:rPr lang="en-US" dirty="0" err="1">
+                <a:solidFill>
+                  <a:srgbClr val="000000"/>
+                </a:solidFill>
+              </a:rPr>
+              <a:t>p</a:t>
+            </a:r>
+            <a:r>
+              <a:rPr lang="en-US" dirty="0" err="1" smtClean="0">
+                <a:solidFill>
+                  <a:srgbClr val="000000"/>
+                </a:solidFill>
+              </a:rPr>
+              <a:t>roduct_browsing_category.jsp</a:t>
+            </a:r>
+            <a:endParaRPr lang="en-US" dirty="0">
+              <a:solidFill>
+                <a:srgbClr val="000000"/>
+              </a:solidFill>
+            </a:endParaRPr>
+          </a:p>
+        </p:txBody>
+      </p:sp>
+      <p:sp>
+        <p:nvSpPr>
+          <p:cNvPr id="184" name="Rectangle 183"/>
+          <p:cNvSpPr/>
+          <p:nvPr/>
+        </p:nvSpPr>
+        <p:spPr>
+          <a:xfrm>
+            <a:off x="4291634" y="1147099"/>
+            <a:ext cx="2066675" cy="582084"/>
+          </a:xfrm>
+          <a:prstGeom prst="rect">
+            <a:avLst/>
+          </a:prstGeom>
+        </p:spPr>
+        <p:style>
+          <a:lnRef idx="1">
+            <a:schemeClr val="accent1"/>
+          </a:lnRef>
+          <a:fillRef idx="3">
+            <a:schemeClr val="accent1"/>
+          </a:fillRef>
+          <a:effectRef idx="2">
+            <a:schemeClr val="accent1"/>
+          </a:effectRef>
+          <a:fontRef idx="minor">
+            <a:schemeClr val="lt1"/>
+          </a:fontRef>
+        </p:style>
+        <p:txBody>
+          <a:bodyPr rtlCol="0" anchor="ctr"/>
+          <a:lstStyle/>
+          <a:p>
+            <a:pPr algn="ctr"/>
+            <a:r>
+              <a:rPr lang="en-US" dirty="0" err="1" smtClean="0">
+                <a:solidFill>
+                  <a:srgbClr val="000000"/>
+                </a:solidFill>
+              </a:rPr>
+              <a:t>product_browsing.jsp</a:t>
+            </a:r>
+            <a:endParaRPr lang="en-US" dirty="0">
+              <a:solidFill>
+                <a:srgbClr val="000000"/>
+              </a:solidFill>
+            </a:endParaRPr>
+          </a:p>
+        </p:txBody>
+      </p:sp>
+      <p:cxnSp>
+        <p:nvCxnSpPr>
+          <p:cNvPr id="192" name="Straight Arrow Connector 191"/>
+          <p:cNvCxnSpPr>
+            <a:stCxn id="4" idx="2"/>
+            <a:endCxn id="184" idx="0"/>
+          </p:cNvCxnSpPr>
+          <p:nvPr/>
+        </p:nvCxnSpPr>
+        <p:spPr>
+          <a:xfrm flipH="1">
+            <a:off x="5324972" y="529056"/>
+            <a:ext cx="706436" cy="618043"/>
           </a:xfrm>
           <a:prstGeom prst="straightConnector1">
             <a:avLst/>
@@ -4077,17 +3970,17 @@
       </p:cxnSp>
       <p:cxnSp>
         <p:nvCxnSpPr>
-          <p:cNvPr id="30" name="Straight Arrow Connector 29"/>
+          <p:cNvPr id="195" name="Straight Arrow Connector 194"/>
           <p:cNvCxnSpPr>
-            <a:stCxn id="19" idx="2"/>
+            <a:stCxn id="184" idx="2"/>
             <a:endCxn id="76" idx="3"/>
           </p:cNvCxnSpPr>
           <p:nvPr/>
         </p:nvCxnSpPr>
         <p:spPr>
           <a:xfrm flipH="1">
-            <a:off x="7607641" y="4794542"/>
-            <a:ext cx="154176" cy="961208"/>
+            <a:off x="3737151" y="1729183"/>
+            <a:ext cx="1587821" cy="1413803"/>
           </a:xfrm>
           <a:prstGeom prst="straightConnector1">
             <a:avLst/>
@@ -4111,6 +4004,703 @@
           </a:fontRef>
         </p:style>
       </p:cxnSp>
+      <p:cxnSp>
+        <p:nvCxnSpPr>
+          <p:cNvPr id="197" name="Straight Arrow Connector 196"/>
+          <p:cNvCxnSpPr>
+            <a:stCxn id="184" idx="2"/>
+            <a:endCxn id="183" idx="0"/>
+          </p:cNvCxnSpPr>
+          <p:nvPr/>
+        </p:nvCxnSpPr>
+        <p:spPr>
+          <a:xfrm>
+            <a:off x="5324972" y="1729183"/>
+            <a:ext cx="130863" cy="1197889"/>
+          </a:xfrm>
+          <a:prstGeom prst="straightConnector1">
+            <a:avLst/>
+          </a:prstGeom>
+          <a:ln>
+            <a:tailEnd type="arrow"/>
+          </a:ln>
+        </p:spPr>
+        <p:style>
+          <a:lnRef idx="2">
+            <a:schemeClr val="accent1"/>
+          </a:lnRef>
+          <a:fillRef idx="0">
+            <a:schemeClr val="accent1"/>
+          </a:fillRef>
+          <a:effectRef idx="1">
+            <a:schemeClr val="accent1"/>
+          </a:effectRef>
+          <a:fontRef idx="minor">
+            <a:schemeClr val="tx1"/>
+          </a:fontRef>
+        </p:style>
+      </p:cxnSp>
+      <p:sp>
+        <p:nvSpPr>
+          <p:cNvPr id="198" name="TextBox 197"/>
+          <p:cNvSpPr txBox="1"/>
+          <p:nvPr/>
+        </p:nvSpPr>
+        <p:spPr>
+          <a:xfrm>
+            <a:off x="5324972" y="2219123"/>
+            <a:ext cx="1454436" cy="646331"/>
+          </a:xfrm>
+          <a:prstGeom prst="rect">
+            <a:avLst/>
+          </a:prstGeom>
+          <a:noFill/>
+        </p:spPr>
+        <p:txBody>
+          <a:bodyPr wrap="square" rtlCol="0">
+            <a:spAutoFit/>
+          </a:bodyPr>
+          <a:lstStyle/>
+          <a:p>
+            <a:r>
+              <a:rPr lang="en-US" dirty="0" smtClean="0"/>
+              <a:t>?</a:t>
+            </a:r>
+            <a:r>
+              <a:rPr lang="en-US" dirty="0" err="1" smtClean="0"/>
+              <a:t>cid</a:t>
+            </a:r>
+            <a:r>
+              <a:rPr lang="en-US" dirty="0" smtClean="0"/>
+              <a:t>=…</a:t>
+            </a:r>
+          </a:p>
+          <a:p>
+            <a:r>
+              <a:rPr lang="en-US" dirty="0" smtClean="0"/>
+              <a:t>&amp;category=...</a:t>
+            </a:r>
+            <a:endParaRPr lang="en-US" dirty="0"/>
+          </a:p>
+        </p:txBody>
+      </p:sp>
+      <p:sp>
+        <p:nvSpPr>
+          <p:cNvPr id="199" name="TextBox 198"/>
+          <p:cNvSpPr txBox="1"/>
+          <p:nvPr/>
+        </p:nvSpPr>
+        <p:spPr>
+          <a:xfrm>
+            <a:off x="3478602" y="1902492"/>
+            <a:ext cx="1519467" cy="646331"/>
+          </a:xfrm>
+          <a:prstGeom prst="rect">
+            <a:avLst/>
+          </a:prstGeom>
+          <a:noFill/>
+        </p:spPr>
+        <p:txBody>
+          <a:bodyPr wrap="square" rtlCol="0">
+            <a:spAutoFit/>
+          </a:bodyPr>
+          <a:lstStyle/>
+          <a:p>
+            <a:r>
+              <a:rPr lang="en-US" dirty="0" smtClean="0"/>
+              <a:t>?keyword=…</a:t>
+            </a:r>
+          </a:p>
+          <a:p>
+            <a:r>
+              <a:rPr lang="en-US" dirty="0" smtClean="0"/>
+              <a:t>&amp;</a:t>
+            </a:r>
+            <a:r>
+              <a:rPr lang="en-US" dirty="0" err="1" smtClean="0"/>
+              <a:t>cid</a:t>
+            </a:r>
+            <a:r>
+              <a:rPr lang="en-US" dirty="0" smtClean="0"/>
+              <a:t>=…</a:t>
+            </a:r>
+            <a:endParaRPr lang="en-US" dirty="0"/>
+          </a:p>
+        </p:txBody>
+      </p:sp>
+      <p:cxnSp>
+        <p:nvCxnSpPr>
+          <p:cNvPr id="211" name="Straight Arrow Connector 210"/>
+          <p:cNvCxnSpPr>
+            <a:stCxn id="2" idx="3"/>
+            <a:endCxn id="56" idx="1"/>
+          </p:cNvCxnSpPr>
+          <p:nvPr/>
+        </p:nvCxnSpPr>
+        <p:spPr>
+          <a:xfrm>
+            <a:off x="1301750" y="280348"/>
+            <a:ext cx="378021" cy="0"/>
+          </a:xfrm>
+          <a:prstGeom prst="straightConnector1">
+            <a:avLst/>
+          </a:prstGeom>
+          <a:ln>
+            <a:tailEnd type="arrow"/>
+          </a:ln>
+        </p:spPr>
+        <p:style>
+          <a:lnRef idx="2">
+            <a:schemeClr val="accent1"/>
+          </a:lnRef>
+          <a:fillRef idx="0">
+            <a:schemeClr val="accent1"/>
+          </a:fillRef>
+          <a:effectRef idx="1">
+            <a:schemeClr val="accent1"/>
+          </a:effectRef>
+          <a:fontRef idx="minor">
+            <a:schemeClr val="tx1"/>
+          </a:fontRef>
+        </p:style>
+      </p:cxnSp>
+      <p:cxnSp>
+        <p:nvCxnSpPr>
+          <p:cNvPr id="213" name="Straight Arrow Connector 212"/>
+          <p:cNvCxnSpPr>
+            <a:stCxn id="56" idx="3"/>
+            <a:endCxn id="4" idx="1"/>
+          </p:cNvCxnSpPr>
+          <p:nvPr/>
+        </p:nvCxnSpPr>
+        <p:spPr>
+          <a:xfrm>
+            <a:off x="2981521" y="280348"/>
+            <a:ext cx="2045348" cy="0"/>
+          </a:xfrm>
+          <a:prstGeom prst="straightConnector1">
+            <a:avLst/>
+          </a:prstGeom>
+          <a:ln>
+            <a:tailEnd type="arrow"/>
+          </a:ln>
+        </p:spPr>
+        <p:style>
+          <a:lnRef idx="2">
+            <a:schemeClr val="accent1"/>
+          </a:lnRef>
+          <a:fillRef idx="0">
+            <a:schemeClr val="accent1"/>
+          </a:fillRef>
+          <a:effectRef idx="1">
+            <a:schemeClr val="accent1"/>
+          </a:effectRef>
+          <a:fontRef idx="minor">
+            <a:schemeClr val="tx1"/>
+          </a:fontRef>
+        </p:style>
+      </p:cxnSp>
+      <p:cxnSp>
+        <p:nvCxnSpPr>
+          <p:cNvPr id="217" name="Curved Connector 216"/>
+          <p:cNvCxnSpPr>
+            <a:stCxn id="4" idx="3"/>
+            <a:endCxn id="4" idx="2"/>
+          </p:cNvCxnSpPr>
+          <p:nvPr/>
+        </p:nvCxnSpPr>
+        <p:spPr>
+          <a:xfrm flipH="1">
+            <a:off x="6031408" y="280348"/>
+            <a:ext cx="1004539" cy="248708"/>
+          </a:xfrm>
+          <a:prstGeom prst="curvedConnector4">
+            <a:avLst>
+              <a:gd name="adj1" fmla="val -22757"/>
+              <a:gd name="adj2" fmla="val 191915"/>
+            </a:avLst>
+          </a:prstGeom>
+          <a:ln>
+            <a:tailEnd type="arrow"/>
+          </a:ln>
+        </p:spPr>
+        <p:style>
+          <a:lnRef idx="2">
+            <a:schemeClr val="accent1"/>
+          </a:lnRef>
+          <a:fillRef idx="0">
+            <a:schemeClr val="accent1"/>
+          </a:fillRef>
+          <a:effectRef idx="1">
+            <a:schemeClr val="accent1"/>
+          </a:effectRef>
+          <a:fontRef idx="minor">
+            <a:schemeClr val="tx1"/>
+          </a:fontRef>
+        </p:style>
+      </p:cxnSp>
+      <p:cxnSp>
+        <p:nvCxnSpPr>
+          <p:cNvPr id="227" name="Straight Arrow Connector 226"/>
+          <p:cNvCxnSpPr>
+            <a:stCxn id="4" idx="2"/>
+            <a:endCxn id="5" idx="0"/>
+          </p:cNvCxnSpPr>
+          <p:nvPr/>
+        </p:nvCxnSpPr>
+        <p:spPr>
+          <a:xfrm>
+            <a:off x="6031408" y="529056"/>
+            <a:ext cx="1900322" cy="643440"/>
+          </a:xfrm>
+          <a:prstGeom prst="straightConnector1">
+            <a:avLst/>
+          </a:prstGeom>
+          <a:ln>
+            <a:tailEnd type="arrow"/>
+          </a:ln>
+        </p:spPr>
+        <p:style>
+          <a:lnRef idx="2">
+            <a:schemeClr val="accent1"/>
+          </a:lnRef>
+          <a:fillRef idx="0">
+            <a:schemeClr val="accent1"/>
+          </a:fillRef>
+          <a:effectRef idx="1">
+            <a:schemeClr val="accent1"/>
+          </a:effectRef>
+          <a:fontRef idx="minor">
+            <a:schemeClr val="tx1"/>
+          </a:fontRef>
+        </p:style>
+      </p:cxnSp>
+      <p:cxnSp>
+        <p:nvCxnSpPr>
+          <p:cNvPr id="229" name="Straight Arrow Connector 228"/>
+          <p:cNvCxnSpPr>
+            <a:stCxn id="19" idx="0"/>
+            <a:endCxn id="184" idx="2"/>
+          </p:cNvCxnSpPr>
+          <p:nvPr/>
+        </p:nvCxnSpPr>
+        <p:spPr>
+          <a:xfrm flipH="1" flipV="1">
+            <a:off x="5324972" y="1729183"/>
+            <a:ext cx="2606758" cy="1080427"/>
+          </a:xfrm>
+          <a:prstGeom prst="straightConnector1">
+            <a:avLst/>
+          </a:prstGeom>
+          <a:ln>
+            <a:tailEnd type="arrow"/>
+          </a:ln>
+        </p:spPr>
+        <p:style>
+          <a:lnRef idx="2">
+            <a:schemeClr val="accent1"/>
+          </a:lnRef>
+          <a:fillRef idx="0">
+            <a:schemeClr val="accent1"/>
+          </a:fillRef>
+          <a:effectRef idx="1">
+            <a:schemeClr val="accent1"/>
+          </a:effectRef>
+          <a:fontRef idx="minor">
+            <a:schemeClr val="tx1"/>
+          </a:fontRef>
+        </p:style>
+      </p:cxnSp>
+      <p:sp>
+        <p:nvSpPr>
+          <p:cNvPr id="233" name="Rectangle 232"/>
+          <p:cNvSpPr/>
+          <p:nvPr/>
+        </p:nvSpPr>
+        <p:spPr>
+          <a:xfrm>
+            <a:off x="2086873" y="1219427"/>
+            <a:ext cx="1301750" cy="497417"/>
+          </a:xfrm>
+          <a:prstGeom prst="rect">
+            <a:avLst/>
+          </a:prstGeom>
+        </p:spPr>
+        <p:style>
+          <a:lnRef idx="1">
+            <a:schemeClr val="accent1"/>
+          </a:lnRef>
+          <a:fillRef idx="3">
+            <a:schemeClr val="accent1"/>
+          </a:fillRef>
+          <a:effectRef idx="2">
+            <a:schemeClr val="accent1"/>
+          </a:effectRef>
+          <a:fontRef idx="minor">
+            <a:schemeClr val="lt1"/>
+          </a:fontRef>
+        </p:style>
+        <p:txBody>
+          <a:bodyPr rtlCol="0" anchor="ctr"/>
+          <a:lstStyle/>
+          <a:p>
+            <a:pPr algn="ctr"/>
+            <a:r>
+              <a:rPr lang="en-US" dirty="0" err="1">
+                <a:solidFill>
+                  <a:srgbClr val="000000"/>
+                </a:solidFill>
+              </a:rPr>
+              <a:t>s</a:t>
+            </a:r>
+            <a:r>
+              <a:rPr lang="en-US" dirty="0" err="1" smtClean="0">
+                <a:solidFill>
+                  <a:srgbClr val="000000"/>
+                </a:solidFill>
+              </a:rPr>
+              <a:t>ignup_confirm</a:t>
+            </a:r>
+            <a:r>
+              <a:rPr lang="en-US" dirty="0" err="1" smtClean="0">
+                <a:solidFill>
+                  <a:srgbClr val="000000"/>
+                </a:solidFill>
+              </a:rPr>
+              <a:t>.jsp</a:t>
+            </a:r>
+            <a:endParaRPr lang="en-US" dirty="0">
+              <a:solidFill>
+                <a:srgbClr val="000000"/>
+              </a:solidFill>
+            </a:endParaRPr>
+          </a:p>
+        </p:txBody>
+      </p:sp>
+      <p:sp>
+        <p:nvSpPr>
+          <p:cNvPr id="234" name="Rectangle 233"/>
+          <p:cNvSpPr/>
+          <p:nvPr/>
+        </p:nvSpPr>
+        <p:spPr>
+          <a:xfrm>
+            <a:off x="24279" y="1177883"/>
+            <a:ext cx="1301750" cy="497417"/>
+          </a:xfrm>
+          <a:prstGeom prst="rect">
+            <a:avLst/>
+          </a:prstGeom>
+        </p:spPr>
+        <p:style>
+          <a:lnRef idx="1">
+            <a:schemeClr val="accent1"/>
+          </a:lnRef>
+          <a:fillRef idx="3">
+            <a:schemeClr val="accent1"/>
+          </a:fillRef>
+          <a:effectRef idx="2">
+            <a:schemeClr val="accent1"/>
+          </a:effectRef>
+          <a:fontRef idx="minor">
+            <a:schemeClr val="lt1"/>
+          </a:fontRef>
+        </p:style>
+        <p:txBody>
+          <a:bodyPr rtlCol="0" anchor="ctr"/>
+          <a:lstStyle/>
+          <a:p>
+            <a:pPr algn="ctr"/>
+            <a:r>
+              <a:rPr lang="en-US" dirty="0" err="1" smtClean="0">
+                <a:solidFill>
+                  <a:srgbClr val="000000"/>
+                </a:solidFill>
+              </a:rPr>
+              <a:t>signup</a:t>
+            </a:r>
+            <a:r>
+              <a:rPr lang="en-US" dirty="0" err="1" smtClean="0">
+                <a:solidFill>
+                  <a:srgbClr val="000000"/>
+                </a:solidFill>
+              </a:rPr>
+              <a:t>.jsp</a:t>
+            </a:r>
+            <a:endParaRPr lang="en-US" dirty="0">
+              <a:solidFill>
+                <a:srgbClr val="000000"/>
+              </a:solidFill>
+            </a:endParaRPr>
+          </a:p>
+        </p:txBody>
+      </p:sp>
+      <p:cxnSp>
+        <p:nvCxnSpPr>
+          <p:cNvPr id="238" name="Straight Arrow Connector 237"/>
+          <p:cNvCxnSpPr>
+            <a:stCxn id="2" idx="2"/>
+            <a:endCxn id="234" idx="0"/>
+          </p:cNvCxnSpPr>
+          <p:nvPr/>
+        </p:nvCxnSpPr>
+        <p:spPr>
+          <a:xfrm>
+            <a:off x="650875" y="529056"/>
+            <a:ext cx="24279" cy="648827"/>
+          </a:xfrm>
+          <a:prstGeom prst="straightConnector1">
+            <a:avLst/>
+          </a:prstGeom>
+          <a:ln>
+            <a:tailEnd type="arrow"/>
+          </a:ln>
+        </p:spPr>
+        <p:style>
+          <a:lnRef idx="2">
+            <a:schemeClr val="accent1"/>
+          </a:lnRef>
+          <a:fillRef idx="0">
+            <a:schemeClr val="accent1"/>
+          </a:fillRef>
+          <a:effectRef idx="1">
+            <a:schemeClr val="accent1"/>
+          </a:effectRef>
+          <a:fontRef idx="minor">
+            <a:schemeClr val="tx1"/>
+          </a:fontRef>
+        </p:style>
+      </p:cxnSp>
+      <p:cxnSp>
+        <p:nvCxnSpPr>
+          <p:cNvPr id="240" name="Straight Arrow Connector 239"/>
+          <p:cNvCxnSpPr>
+            <a:stCxn id="234" idx="3"/>
+            <a:endCxn id="233" idx="1"/>
+          </p:cNvCxnSpPr>
+          <p:nvPr/>
+        </p:nvCxnSpPr>
+        <p:spPr>
+          <a:xfrm>
+            <a:off x="1326029" y="1426592"/>
+            <a:ext cx="760844" cy="41544"/>
+          </a:xfrm>
+          <a:prstGeom prst="straightConnector1">
+            <a:avLst/>
+          </a:prstGeom>
+          <a:ln>
+            <a:tailEnd type="arrow"/>
+          </a:ln>
+        </p:spPr>
+        <p:style>
+          <a:lnRef idx="2">
+            <a:schemeClr val="accent1"/>
+          </a:lnRef>
+          <a:fillRef idx="0">
+            <a:schemeClr val="accent1"/>
+          </a:fillRef>
+          <a:effectRef idx="1">
+            <a:schemeClr val="accent1"/>
+          </a:effectRef>
+          <a:fontRef idx="minor">
+            <a:schemeClr val="tx1"/>
+          </a:fontRef>
+        </p:style>
+      </p:cxnSp>
+      <p:sp>
+        <p:nvSpPr>
+          <p:cNvPr id="241" name="TextBox 240"/>
+          <p:cNvSpPr txBox="1"/>
+          <p:nvPr/>
+        </p:nvSpPr>
+        <p:spPr>
+          <a:xfrm>
+            <a:off x="1129387" y="1693948"/>
+            <a:ext cx="2707388" cy="1200329"/>
+          </a:xfrm>
+          <a:prstGeom prst="rect">
+            <a:avLst/>
+          </a:prstGeom>
+          <a:noFill/>
+        </p:spPr>
+        <p:txBody>
+          <a:bodyPr wrap="square" rtlCol="0">
+            <a:spAutoFit/>
+          </a:bodyPr>
+          <a:lstStyle/>
+          <a:p>
+            <a:r>
+              <a:rPr lang="en-US" dirty="0" smtClean="0"/>
+              <a:t>?username=…</a:t>
+            </a:r>
+          </a:p>
+          <a:p>
+            <a:r>
+              <a:rPr lang="en-US" dirty="0" smtClean="0"/>
+              <a:t>&amp;role=…</a:t>
+            </a:r>
+          </a:p>
+          <a:p>
+            <a:r>
+              <a:rPr lang="en-US" dirty="0" smtClean="0"/>
+              <a:t>&amp;age=…</a:t>
+            </a:r>
+          </a:p>
+          <a:p>
+            <a:r>
+              <a:rPr lang="en-US" dirty="0" smtClean="0"/>
+              <a:t>&amp;state=…</a:t>
+            </a:r>
+            <a:endParaRPr lang="en-US" dirty="0"/>
+          </a:p>
+        </p:txBody>
+      </p:sp>
+      <p:cxnSp>
+        <p:nvCxnSpPr>
+          <p:cNvPr id="245" name="Straight Arrow Connector 244"/>
+          <p:cNvCxnSpPr>
+            <a:stCxn id="233" idx="3"/>
+            <a:endCxn id="184" idx="1"/>
+          </p:cNvCxnSpPr>
+          <p:nvPr/>
+        </p:nvCxnSpPr>
+        <p:spPr>
+          <a:xfrm flipV="1">
+            <a:off x="3388623" y="1438141"/>
+            <a:ext cx="903011" cy="29995"/>
+          </a:xfrm>
+          <a:prstGeom prst="straightConnector1">
+            <a:avLst/>
+          </a:prstGeom>
+          <a:ln>
+            <a:tailEnd type="arrow"/>
+          </a:ln>
+        </p:spPr>
+        <p:style>
+          <a:lnRef idx="2">
+            <a:schemeClr val="accent1"/>
+          </a:lnRef>
+          <a:fillRef idx="0">
+            <a:schemeClr val="accent1"/>
+          </a:fillRef>
+          <a:effectRef idx="1">
+            <a:schemeClr val="accent1"/>
+          </a:effectRef>
+          <a:fontRef idx="minor">
+            <a:schemeClr val="tx1"/>
+          </a:fontRef>
+        </p:style>
+      </p:cxnSp>
+      <p:cxnSp>
+        <p:nvCxnSpPr>
+          <p:cNvPr id="247" name="Straight Arrow Connector 246"/>
+          <p:cNvCxnSpPr>
+            <a:stCxn id="233" idx="0"/>
+            <a:endCxn id="56" idx="2"/>
+          </p:cNvCxnSpPr>
+          <p:nvPr/>
+        </p:nvCxnSpPr>
+        <p:spPr>
+          <a:xfrm flipH="1" flipV="1">
+            <a:off x="2330646" y="529056"/>
+            <a:ext cx="407102" cy="690371"/>
+          </a:xfrm>
+          <a:prstGeom prst="straightConnector1">
+            <a:avLst/>
+          </a:prstGeom>
+          <a:ln>
+            <a:tailEnd type="arrow"/>
+          </a:ln>
+        </p:spPr>
+        <p:style>
+          <a:lnRef idx="2">
+            <a:schemeClr val="accent1"/>
+          </a:lnRef>
+          <a:fillRef idx="0">
+            <a:schemeClr val="accent1"/>
+          </a:fillRef>
+          <a:effectRef idx="1">
+            <a:schemeClr val="accent1"/>
+          </a:effectRef>
+          <a:fontRef idx="minor">
+            <a:schemeClr val="tx1"/>
+          </a:fontRef>
+        </p:style>
+      </p:cxnSp>
+      <p:cxnSp>
+        <p:nvCxnSpPr>
+          <p:cNvPr id="268" name="Straight Arrow Connector 267"/>
+          <p:cNvCxnSpPr>
+            <a:stCxn id="183" idx="1"/>
+            <a:endCxn id="76" idx="3"/>
+          </p:cNvCxnSpPr>
+          <p:nvPr/>
+        </p:nvCxnSpPr>
+        <p:spPr>
+          <a:xfrm flipH="1" flipV="1">
+            <a:off x="3737151" y="3142986"/>
+            <a:ext cx="685346" cy="180188"/>
+          </a:xfrm>
+          <a:prstGeom prst="straightConnector1">
+            <a:avLst/>
+          </a:prstGeom>
+          <a:ln>
+            <a:tailEnd type="arrow"/>
+          </a:ln>
+        </p:spPr>
+        <p:style>
+          <a:lnRef idx="2">
+            <a:schemeClr val="accent1"/>
+          </a:lnRef>
+          <a:fillRef idx="0">
+            <a:schemeClr val="accent1"/>
+          </a:fillRef>
+          <a:effectRef idx="1">
+            <a:schemeClr val="accent1"/>
+          </a:effectRef>
+          <a:fontRef idx="minor">
+            <a:schemeClr val="tx1"/>
+          </a:fontRef>
+        </p:style>
+      </p:cxnSp>
+      <p:sp>
+        <p:nvSpPr>
+          <p:cNvPr id="271" name="TextBox 270"/>
+          <p:cNvSpPr txBox="1"/>
+          <p:nvPr/>
+        </p:nvSpPr>
+        <p:spPr>
+          <a:xfrm>
+            <a:off x="3372846" y="3422924"/>
+            <a:ext cx="1837575" cy="646331"/>
+          </a:xfrm>
+          <a:prstGeom prst="rect">
+            <a:avLst/>
+          </a:prstGeom>
+          <a:noFill/>
+        </p:spPr>
+        <p:txBody>
+          <a:bodyPr wrap="square" rtlCol="0">
+            <a:spAutoFit/>
+          </a:bodyPr>
+          <a:lstStyle/>
+          <a:p>
+            <a:r>
+              <a:rPr lang="en-US" dirty="0" smtClean="0"/>
+              <a:t>?keyword=…&amp;</a:t>
+            </a:r>
+            <a:r>
+              <a:rPr lang="en-US" dirty="0" err="1" smtClean="0"/>
+              <a:t>cid</a:t>
+            </a:r>
+            <a:r>
+              <a:rPr lang="en-US" dirty="0" smtClean="0"/>
+              <a:t>=…</a:t>
+            </a:r>
+            <a:endParaRPr lang="en-US" dirty="0"/>
+          </a:p>
+        </p:txBody>
+      </p:sp>
     </p:spTree>
     <p:extLst>
       <p:ext uri="{BB962C8B-B14F-4D97-AF65-F5344CB8AC3E}">

--- a/cse135wirediagram.pptx
+++ b/cse135wirediagram.pptx
@@ -3169,7 +3169,7 @@
         </p:nvSpPr>
         <p:spPr>
           <a:xfrm>
-            <a:off x="5026869" y="31639"/>
+            <a:off x="5484633" y="48575"/>
             <a:ext cx="2009078" cy="497417"/>
           </a:xfrm>
           <a:prstGeom prst="rect">
@@ -3221,7 +3221,7 @@
         </p:nvCxnSpPr>
         <p:spPr>
           <a:xfrm flipV="1">
-            <a:off x="5026869" y="280348"/>
+            <a:off x="5484633" y="297284"/>
             <a:ext cx="0" cy="16936"/>
           </a:xfrm>
           <a:prstGeom prst="line">
@@ -3253,7 +3253,7 @@
         </p:nvCxnSpPr>
         <p:spPr>
           <a:xfrm>
-            <a:off x="6031408" y="-29856"/>
+            <a:off x="6489172" y="-12920"/>
             <a:ext cx="0" cy="61495"/>
           </a:xfrm>
           <a:prstGeom prst="line">
@@ -3763,7 +3763,7 @@
         </p:nvSpPr>
         <p:spPr>
           <a:xfrm>
-            <a:off x="7204130" y="112618"/>
+            <a:off x="7638046" y="48575"/>
             <a:ext cx="1760937" cy="369332"/>
           </a:xfrm>
           <a:prstGeom prst="rect">
@@ -3832,7 +3832,7 @@
         </p:nvSpPr>
         <p:spPr>
           <a:xfrm>
-            <a:off x="4422497" y="2927072"/>
+            <a:off x="4291634" y="2927072"/>
             <a:ext cx="2066675" cy="792204"/>
           </a:xfrm>
           <a:prstGeom prst="rect">
@@ -3943,8 +3943,8 @@
         </p:nvCxnSpPr>
         <p:spPr>
           <a:xfrm flipH="1">
-            <a:off x="5324972" y="529056"/>
-            <a:ext cx="706436" cy="618043"/>
+            <a:off x="5324972" y="545992"/>
+            <a:ext cx="1164200" cy="601107"/>
           </a:xfrm>
           <a:prstGeom prst="straightConnector1">
             <a:avLst/>
@@ -4016,7 +4016,7 @@
         <p:spPr>
           <a:xfrm>
             <a:off x="5324972" y="1729183"/>
-            <a:ext cx="130863" cy="1197889"/>
+            <a:ext cx="0" cy="1197889"/>
           </a:xfrm>
           <a:prstGeom prst="straightConnector1">
             <a:avLst/>
@@ -4048,8 +4048,8 @@
         </p:nvSpPr>
         <p:spPr>
           <a:xfrm>
-            <a:off x="5324972" y="2219123"/>
-            <a:ext cx="1454436" cy="646331"/>
+            <a:off x="5273644" y="2219123"/>
+            <a:ext cx="1268445" cy="923330"/>
           </a:xfrm>
           <a:prstGeom prst="rect">
             <a:avLst/>
@@ -4176,7 +4176,7 @@
         <p:spPr>
           <a:xfrm>
             <a:off x="2981521" y="280348"/>
-            <a:ext cx="2045348" cy="0"/>
+            <a:ext cx="2503112" cy="16936"/>
           </a:xfrm>
           <a:prstGeom prst="straightConnector1">
             <a:avLst/>
@@ -4211,7 +4211,7 @@
         </p:nvCxnSpPr>
         <p:spPr>
           <a:xfrm flipH="1">
-            <a:off x="6031408" y="280348"/>
+            <a:off x="6489172" y="297284"/>
             <a:ext cx="1004539" cy="248708"/>
           </a:xfrm>
           <a:prstGeom prst="curvedConnector4">
@@ -4250,8 +4250,8 @@
         </p:nvCxnSpPr>
         <p:spPr>
           <a:xfrm>
-            <a:off x="6031408" y="529056"/>
-            <a:ext cx="1900322" cy="643440"/>
+            <a:off x="6489172" y="545992"/>
+            <a:ext cx="1442558" cy="626504"/>
           </a:xfrm>
           <a:prstGeom prst="straightConnector1">
             <a:avLst/>
@@ -4639,7 +4639,7 @@
         <p:spPr>
           <a:xfrm flipH="1" flipV="1">
             <a:off x="3737151" y="3142986"/>
-            <a:ext cx="685346" cy="180188"/>
+            <a:ext cx="554483" cy="180188"/>
           </a:xfrm>
           <a:prstGeom prst="straightConnector1">
             <a:avLst/>
@@ -4671,7 +4671,7 @@
         </p:nvSpPr>
         <p:spPr>
           <a:xfrm>
-            <a:off x="3372846" y="3422924"/>
+            <a:off x="3372846" y="3323174"/>
             <a:ext cx="1837575" cy="646331"/>
           </a:xfrm>
           <a:prstGeom prst="rect">
@@ -4696,6 +4696,356 @@
             <a:r>
               <a:rPr lang="en-US" dirty="0" smtClean="0"/>
               <a:t>=…</a:t>
+            </a:r>
+            <a:endParaRPr lang="en-US" dirty="0"/>
+          </a:p>
+        </p:txBody>
+      </p:sp>
+      <p:sp>
+        <p:nvSpPr>
+          <p:cNvPr id="284" name="Rectangle 283"/>
+          <p:cNvSpPr/>
+          <p:nvPr/>
+        </p:nvSpPr>
+        <p:spPr>
+          <a:xfrm>
+            <a:off x="4177083" y="4863339"/>
+            <a:ext cx="2066675" cy="582084"/>
+          </a:xfrm>
+          <a:prstGeom prst="rect">
+            <a:avLst/>
+          </a:prstGeom>
+        </p:spPr>
+        <p:style>
+          <a:lnRef idx="1">
+            <a:schemeClr val="accent1"/>
+          </a:lnRef>
+          <a:fillRef idx="3">
+            <a:schemeClr val="accent1"/>
+          </a:fillRef>
+          <a:effectRef idx="2">
+            <a:schemeClr val="accent1"/>
+          </a:effectRef>
+          <a:fontRef idx="minor">
+            <a:schemeClr val="lt1"/>
+          </a:fontRef>
+        </p:style>
+        <p:txBody>
+          <a:bodyPr rtlCol="0" anchor="ctr"/>
+          <a:lstStyle/>
+          <a:p>
+            <a:pPr algn="ctr"/>
+            <a:r>
+              <a:rPr lang="en-US" dirty="0" err="1" smtClean="0">
+                <a:solidFill>
+                  <a:srgbClr val="000000"/>
+                </a:solidFill>
+              </a:rPr>
+              <a:t>redirect.jsp</a:t>
+            </a:r>
+            <a:endParaRPr lang="en-US" dirty="0">
+              <a:solidFill>
+                <a:srgbClr val="000000"/>
+              </a:solidFill>
+            </a:endParaRPr>
+          </a:p>
+        </p:txBody>
+      </p:sp>
+      <p:sp>
+        <p:nvSpPr>
+          <p:cNvPr id="285" name="Rectangle 284"/>
+          <p:cNvSpPr/>
+          <p:nvPr/>
+        </p:nvSpPr>
+        <p:spPr>
+          <a:xfrm>
+            <a:off x="6751034" y="4863339"/>
+            <a:ext cx="2066675" cy="582084"/>
+          </a:xfrm>
+          <a:prstGeom prst="rect">
+            <a:avLst/>
+          </a:prstGeom>
+        </p:spPr>
+        <p:style>
+          <a:lnRef idx="1">
+            <a:schemeClr val="accent1"/>
+          </a:lnRef>
+          <a:fillRef idx="3">
+            <a:schemeClr val="accent1"/>
+          </a:fillRef>
+          <a:effectRef idx="2">
+            <a:schemeClr val="accent1"/>
+          </a:effectRef>
+          <a:fontRef idx="minor">
+            <a:schemeClr val="lt1"/>
+          </a:fontRef>
+        </p:style>
+        <p:txBody>
+          <a:bodyPr rtlCol="0" anchor="ctr"/>
+          <a:lstStyle/>
+          <a:p>
+            <a:pPr algn="ctr"/>
+            <a:r>
+              <a:rPr lang="en-US" dirty="0" err="1" smtClean="0">
+                <a:solidFill>
+                  <a:srgbClr val="000000"/>
+                </a:solidFill>
+              </a:rPr>
+              <a:t>products.jsp</a:t>
+            </a:r>
+            <a:endParaRPr lang="en-US" dirty="0">
+              <a:solidFill>
+                <a:srgbClr val="000000"/>
+              </a:solidFill>
+            </a:endParaRPr>
+          </a:p>
+        </p:txBody>
+      </p:sp>
+      <p:cxnSp>
+        <p:nvCxnSpPr>
+          <p:cNvPr id="287" name="Straight Arrow Connector 286"/>
+          <p:cNvCxnSpPr>
+            <a:stCxn id="4" idx="2"/>
+            <a:endCxn id="285" idx="1"/>
+          </p:cNvCxnSpPr>
+          <p:nvPr/>
+        </p:nvCxnSpPr>
+        <p:spPr>
+          <a:xfrm>
+            <a:off x="6489172" y="545992"/>
+            <a:ext cx="261862" cy="4608389"/>
+          </a:xfrm>
+          <a:prstGeom prst="straightConnector1">
+            <a:avLst/>
+          </a:prstGeom>
+          <a:ln>
+            <a:tailEnd type="arrow"/>
+          </a:ln>
+        </p:spPr>
+        <p:style>
+          <a:lnRef idx="2">
+            <a:schemeClr val="accent1"/>
+          </a:lnRef>
+          <a:fillRef idx="0">
+            <a:schemeClr val="accent1"/>
+          </a:fillRef>
+          <a:effectRef idx="1">
+            <a:schemeClr val="accent1"/>
+          </a:effectRef>
+          <a:fontRef idx="minor">
+            <a:schemeClr val="tx1"/>
+          </a:fontRef>
+        </p:style>
+      </p:cxnSp>
+      <p:cxnSp>
+        <p:nvCxnSpPr>
+          <p:cNvPr id="289" name="Straight Arrow Connector 288"/>
+          <p:cNvCxnSpPr>
+            <a:stCxn id="284" idx="2"/>
+          </p:cNvCxnSpPr>
+          <p:nvPr/>
+        </p:nvCxnSpPr>
+        <p:spPr>
+          <a:xfrm>
+            <a:off x="5210421" y="5445423"/>
+            <a:ext cx="0" cy="652198"/>
+          </a:xfrm>
+          <a:prstGeom prst="straightConnector1">
+            <a:avLst/>
+          </a:prstGeom>
+          <a:ln>
+            <a:tailEnd type="arrow"/>
+          </a:ln>
+        </p:spPr>
+        <p:style>
+          <a:lnRef idx="2">
+            <a:schemeClr val="accent1"/>
+          </a:lnRef>
+          <a:fillRef idx="0">
+            <a:schemeClr val="accent1"/>
+          </a:fillRef>
+          <a:effectRef idx="1">
+            <a:schemeClr val="accent1"/>
+          </a:effectRef>
+          <a:fontRef idx="minor">
+            <a:schemeClr val="tx1"/>
+          </a:fontRef>
+        </p:style>
+      </p:cxnSp>
+      <p:sp>
+        <p:nvSpPr>
+          <p:cNvPr id="290" name="TextBox 289"/>
+          <p:cNvSpPr txBox="1"/>
+          <p:nvPr/>
+        </p:nvSpPr>
+        <p:spPr>
+          <a:xfrm>
+            <a:off x="4525376" y="6077711"/>
+            <a:ext cx="1718382" cy="646331"/>
+          </a:xfrm>
+          <a:prstGeom prst="rect">
+            <a:avLst/>
+          </a:prstGeom>
+          <a:noFill/>
+        </p:spPr>
+        <p:txBody>
+          <a:bodyPr wrap="square" rtlCol="0">
+            <a:spAutoFit/>
+          </a:bodyPr>
+          <a:lstStyle/>
+          <a:p>
+            <a:r>
+              <a:rPr lang="en-US" dirty="0" smtClean="0"/>
+              <a:t>(go to </a:t>
+            </a:r>
+            <a:r>
+              <a:rPr lang="en-US" dirty="0" err="1" smtClean="0"/>
+              <a:t>login.jsp</a:t>
+            </a:r>
+            <a:r>
+              <a:rPr lang="en-US" dirty="0" smtClean="0"/>
+              <a:t>: see top)</a:t>
+            </a:r>
+            <a:endParaRPr lang="en-US" dirty="0"/>
+          </a:p>
+        </p:txBody>
+      </p:sp>
+      <p:cxnSp>
+        <p:nvCxnSpPr>
+          <p:cNvPr id="293" name="Straight Arrow Connector 292"/>
+          <p:cNvCxnSpPr>
+            <a:stCxn id="76" idx="2"/>
+            <a:endCxn id="284" idx="1"/>
+          </p:cNvCxnSpPr>
+          <p:nvPr/>
+        </p:nvCxnSpPr>
+        <p:spPr>
+          <a:xfrm>
+            <a:off x="2557827" y="3391694"/>
+            <a:ext cx="1619256" cy="1762687"/>
+          </a:xfrm>
+          <a:prstGeom prst="straightConnector1">
+            <a:avLst/>
+          </a:prstGeom>
+          <a:ln>
+            <a:tailEnd type="arrow"/>
+          </a:ln>
+        </p:spPr>
+        <p:style>
+          <a:lnRef idx="2">
+            <a:schemeClr val="accent1"/>
+          </a:lnRef>
+          <a:fillRef idx="0">
+            <a:schemeClr val="accent1"/>
+          </a:fillRef>
+          <a:effectRef idx="1">
+            <a:schemeClr val="accent1"/>
+          </a:effectRef>
+          <a:fontRef idx="minor">
+            <a:schemeClr val="tx1"/>
+          </a:fontRef>
+        </p:style>
+      </p:cxnSp>
+      <p:cxnSp>
+        <p:nvCxnSpPr>
+          <p:cNvPr id="295" name="Straight Arrow Connector 294"/>
+          <p:cNvCxnSpPr>
+            <a:stCxn id="5" idx="1"/>
+            <a:endCxn id="284" idx="3"/>
+          </p:cNvCxnSpPr>
+          <p:nvPr/>
+        </p:nvCxnSpPr>
+        <p:spPr>
+          <a:xfrm flipH="1">
+            <a:off x="6243758" y="1450840"/>
+            <a:ext cx="654634" cy="3703541"/>
+          </a:xfrm>
+          <a:prstGeom prst="straightConnector1">
+            <a:avLst/>
+          </a:prstGeom>
+          <a:ln>
+            <a:tailEnd type="arrow"/>
+          </a:ln>
+        </p:spPr>
+        <p:style>
+          <a:lnRef idx="2">
+            <a:schemeClr val="accent1"/>
+          </a:lnRef>
+          <a:fillRef idx="0">
+            <a:schemeClr val="accent1"/>
+          </a:fillRef>
+          <a:effectRef idx="1">
+            <a:schemeClr val="accent1"/>
+          </a:effectRef>
+          <a:fontRef idx="minor">
+            <a:schemeClr val="tx1"/>
+          </a:fontRef>
+        </p:style>
+      </p:cxnSp>
+      <p:cxnSp>
+        <p:nvCxnSpPr>
+          <p:cNvPr id="304" name="Curved Connector 303"/>
+          <p:cNvCxnSpPr>
+            <a:stCxn id="285" idx="2"/>
+            <a:endCxn id="285" idx="3"/>
+          </p:cNvCxnSpPr>
+          <p:nvPr/>
+        </p:nvCxnSpPr>
+        <p:spPr>
+          <a:xfrm rot="5400000" flipH="1" flipV="1">
+            <a:off x="8155519" y="4783233"/>
+            <a:ext cx="291042" cy="1033337"/>
+          </a:xfrm>
+          <a:prstGeom prst="curvedConnector4">
+            <a:avLst>
+              <a:gd name="adj1" fmla="val -78545"/>
+              <a:gd name="adj2" fmla="val 122123"/>
+            </a:avLst>
+          </a:prstGeom>
+          <a:ln>
+            <a:tailEnd type="arrow"/>
+          </a:ln>
+        </p:spPr>
+        <p:style>
+          <a:lnRef idx="2">
+            <a:schemeClr val="accent1"/>
+          </a:lnRef>
+          <a:fillRef idx="0">
+            <a:schemeClr val="accent1"/>
+          </a:fillRef>
+          <a:effectRef idx="1">
+            <a:schemeClr val="accent1"/>
+          </a:effectRef>
+          <a:fontRef idx="minor">
+            <a:schemeClr val="tx1"/>
+          </a:fontRef>
+        </p:style>
+      </p:cxnSp>
+      <p:sp>
+        <p:nvSpPr>
+          <p:cNvPr id="305" name="TextBox 304"/>
+          <p:cNvSpPr txBox="1"/>
+          <p:nvPr/>
+        </p:nvSpPr>
+        <p:spPr>
+          <a:xfrm>
+            <a:off x="7344833" y="5947833"/>
+            <a:ext cx="1703917" cy="369332"/>
+          </a:xfrm>
+          <a:prstGeom prst="rect">
+            <a:avLst/>
+          </a:prstGeom>
+          <a:noFill/>
+        </p:spPr>
+        <p:txBody>
+          <a:bodyPr wrap="square" rtlCol="0">
+            <a:spAutoFit/>
+          </a:bodyPr>
+          <a:lstStyle/>
+          <a:p>
+            <a:r>
+              <a:rPr lang="en-US" smtClean="0"/>
+              <a:t>?action=…&amp;</a:t>
             </a:r>
             <a:endParaRPr lang="en-US" dirty="0"/>
           </a:p>

--- a/cse135wirediagram.pptx
+++ b/cse135wirediagram.pptx
@@ -4359,73 +4359,57 @@
                   <a:srgbClr val="000000"/>
                 </a:solidFill>
               </a:rPr>
-              <a:t>ignup_confirm</a:t>
-            </a:r>
+              <a:t>ignup_confirm.jsp</a:t>
+            </a:r>
+            <a:endParaRPr lang="en-US" dirty="0">
+              <a:solidFill>
+                <a:srgbClr val="000000"/>
+              </a:solidFill>
+            </a:endParaRPr>
+          </a:p>
+        </p:txBody>
+      </p:sp>
+      <p:sp>
+        <p:nvSpPr>
+          <p:cNvPr id="234" name="Rectangle 233"/>
+          <p:cNvSpPr/>
+          <p:nvPr/>
+        </p:nvSpPr>
+        <p:spPr>
+          <a:xfrm>
+            <a:off x="24279" y="1177883"/>
+            <a:ext cx="1301750" cy="497417"/>
+          </a:xfrm>
+          <a:prstGeom prst="rect">
+            <a:avLst/>
+          </a:prstGeom>
+        </p:spPr>
+        <p:style>
+          <a:lnRef idx="1">
+            <a:schemeClr val="accent1"/>
+          </a:lnRef>
+          <a:fillRef idx="3">
+            <a:schemeClr val="accent1"/>
+          </a:fillRef>
+          <a:effectRef idx="2">
+            <a:schemeClr val="accent1"/>
+          </a:effectRef>
+          <a:fontRef idx="minor">
+            <a:schemeClr val="lt1"/>
+          </a:fontRef>
+        </p:style>
+        <p:txBody>
+          <a:bodyPr rtlCol="0" anchor="ctr"/>
+          <a:lstStyle/>
+          <a:p>
+            <a:pPr algn="ctr"/>
             <a:r>
               <a:rPr lang="en-US" dirty="0" err="1" smtClean="0">
                 <a:solidFill>
                   <a:srgbClr val="000000"/>
                 </a:solidFill>
               </a:rPr>
-              <a:t>.jsp</a:t>
-            </a:r>
-            <a:endParaRPr lang="en-US" dirty="0">
-              <a:solidFill>
-                <a:srgbClr val="000000"/>
-              </a:solidFill>
-            </a:endParaRPr>
-          </a:p>
-        </p:txBody>
-      </p:sp>
-      <p:sp>
-        <p:nvSpPr>
-          <p:cNvPr id="234" name="Rectangle 233"/>
-          <p:cNvSpPr/>
-          <p:nvPr/>
-        </p:nvSpPr>
-        <p:spPr>
-          <a:xfrm>
-            <a:off x="24279" y="1177883"/>
-            <a:ext cx="1301750" cy="497417"/>
-          </a:xfrm>
-          <a:prstGeom prst="rect">
-            <a:avLst/>
-          </a:prstGeom>
-        </p:spPr>
-        <p:style>
-          <a:lnRef idx="1">
-            <a:schemeClr val="accent1"/>
-          </a:lnRef>
-          <a:fillRef idx="3">
-            <a:schemeClr val="accent1"/>
-          </a:fillRef>
-          <a:effectRef idx="2">
-            <a:schemeClr val="accent1"/>
-          </a:effectRef>
-          <a:fontRef idx="minor">
-            <a:schemeClr val="lt1"/>
-          </a:fontRef>
-        </p:style>
-        <p:txBody>
-          <a:bodyPr rtlCol="0" anchor="ctr"/>
-          <a:lstStyle/>
-          <a:p>
-            <a:pPr algn="ctr"/>
-            <a:r>
-              <a:rPr lang="en-US" dirty="0" err="1" smtClean="0">
-                <a:solidFill>
-                  <a:srgbClr val="000000"/>
-                </a:solidFill>
-              </a:rPr>
-              <a:t>signup</a:t>
-            </a:r>
-            <a:r>
-              <a:rPr lang="en-US" dirty="0" err="1" smtClean="0">
-                <a:solidFill>
-                  <a:srgbClr val="000000"/>
-                </a:solidFill>
-              </a:rPr>
-              <a:t>.jsp</a:t>
+              <a:t>signup.jsp</a:t>
             </a:r>
             <a:endParaRPr lang="en-US" dirty="0">
               <a:solidFill>
@@ -4759,7 +4743,7 @@
         </p:nvSpPr>
         <p:spPr>
           <a:xfrm>
-            <a:off x="6751034" y="4863339"/>
+            <a:off x="6877248" y="3858092"/>
             <a:ext cx="2066675" cy="582084"/>
           </a:xfrm>
           <a:prstGeom prst="rect">
@@ -4791,7 +4775,7 @@
                   <a:srgbClr val="000000"/>
                 </a:solidFill>
               </a:rPr>
-              <a:t>products.jsp</a:t>
+              <a:t>categories.jsp</a:t>
             </a:r>
             <a:endParaRPr lang="en-US" dirty="0">
               <a:solidFill>
@@ -4813,7 +4797,7 @@
         <p:spPr>
           <a:xfrm>
             <a:off x="6489172" y="545992"/>
-            <a:ext cx="261862" cy="4608389"/>
+            <a:ext cx="388076" cy="3603142"/>
           </a:xfrm>
           <a:prstGeom prst="straightConnector1">
             <a:avLst/>
@@ -4993,7 +4977,7 @@
         </p:nvCxnSpPr>
         <p:spPr>
           <a:xfrm rot="5400000" flipH="1" flipV="1">
-            <a:off x="8155519" y="4783233"/>
+            <a:off x="8281733" y="3777986"/>
             <a:ext cx="291042" cy="1033337"/>
           </a:xfrm>
           <a:prstGeom prst="curvedConnector4">
@@ -5029,8 +5013,8 @@
         </p:nvSpPr>
         <p:spPr>
           <a:xfrm>
-            <a:off x="7344833" y="5947833"/>
-            <a:ext cx="1703917" cy="369332"/>
+            <a:off x="7910585" y="4540173"/>
+            <a:ext cx="1486724" cy="646331"/>
           </a:xfrm>
           <a:prstGeom prst="rect">
             <a:avLst/>
@@ -5044,13 +5028,176 @@
           <a:lstStyle/>
           <a:p>
             <a:r>
-              <a:rPr lang="en-US" smtClean="0"/>
-              <a:t>?action=…&amp;</a:t>
+              <a:rPr lang="en-US" dirty="0" smtClean="0"/>
+              <a:t>?action=…</a:t>
+            </a:r>
+            <a:r>
+              <a:rPr lang="en-US" dirty="0" smtClean="0"/>
+              <a:t>&amp;keyword=…</a:t>
             </a:r>
             <a:endParaRPr lang="en-US" dirty="0"/>
           </a:p>
         </p:txBody>
       </p:sp>
+      <p:sp>
+        <p:nvSpPr>
+          <p:cNvPr id="50" name="Rectangle 49"/>
+          <p:cNvSpPr/>
+          <p:nvPr/>
+        </p:nvSpPr>
+        <p:spPr>
+          <a:xfrm>
+            <a:off x="6679015" y="5353963"/>
+            <a:ext cx="2066675" cy="582084"/>
+          </a:xfrm>
+          <a:prstGeom prst="rect">
+            <a:avLst/>
+          </a:prstGeom>
+        </p:spPr>
+        <p:style>
+          <a:lnRef idx="1">
+            <a:schemeClr val="accent1"/>
+          </a:lnRef>
+          <a:fillRef idx="3">
+            <a:schemeClr val="accent1"/>
+          </a:fillRef>
+          <a:effectRef idx="2">
+            <a:schemeClr val="accent1"/>
+          </a:effectRef>
+          <a:fontRef idx="minor">
+            <a:schemeClr val="lt1"/>
+          </a:fontRef>
+        </p:style>
+        <p:txBody>
+          <a:bodyPr rtlCol="0" anchor="ctr"/>
+          <a:lstStyle/>
+          <a:p>
+            <a:pPr algn="ctr"/>
+            <a:r>
+              <a:rPr lang="en-US" dirty="0" err="1" smtClean="0">
+                <a:solidFill>
+                  <a:srgbClr val="000000"/>
+                </a:solidFill>
+              </a:rPr>
+              <a:t>products.jsp</a:t>
+            </a:r>
+            <a:endParaRPr lang="en-US" dirty="0">
+              <a:solidFill>
+                <a:srgbClr val="000000"/>
+              </a:solidFill>
+            </a:endParaRPr>
+          </a:p>
+        </p:txBody>
+      </p:sp>
+      <p:cxnSp>
+        <p:nvCxnSpPr>
+          <p:cNvPr id="51" name="Curved Connector 50"/>
+          <p:cNvCxnSpPr>
+            <a:stCxn id="50" idx="2"/>
+            <a:endCxn id="50" idx="3"/>
+          </p:cNvCxnSpPr>
+          <p:nvPr/>
+        </p:nvCxnSpPr>
+        <p:spPr>
+          <a:xfrm rot="5400000" flipH="1" flipV="1">
+            <a:off x="8083500" y="5273857"/>
+            <a:ext cx="291042" cy="1033337"/>
+          </a:xfrm>
+          <a:prstGeom prst="curvedConnector4">
+            <a:avLst>
+              <a:gd name="adj1" fmla="val -78545"/>
+              <a:gd name="adj2" fmla="val 122123"/>
+            </a:avLst>
+          </a:prstGeom>
+          <a:ln>
+            <a:tailEnd type="arrow"/>
+          </a:ln>
+        </p:spPr>
+        <p:style>
+          <a:lnRef idx="2">
+            <a:schemeClr val="accent1"/>
+          </a:lnRef>
+          <a:fillRef idx="0">
+            <a:schemeClr val="accent1"/>
+          </a:fillRef>
+          <a:effectRef idx="1">
+            <a:schemeClr val="accent1"/>
+          </a:effectRef>
+          <a:fontRef idx="minor">
+            <a:schemeClr val="tx1"/>
+          </a:fontRef>
+        </p:style>
+      </p:cxnSp>
+      <p:sp>
+        <p:nvSpPr>
+          <p:cNvPr id="52" name="TextBox 51"/>
+          <p:cNvSpPr txBox="1"/>
+          <p:nvPr/>
+        </p:nvSpPr>
+        <p:spPr>
+          <a:xfrm>
+            <a:off x="7387248" y="6142056"/>
+            <a:ext cx="1486724" cy="646331"/>
+          </a:xfrm>
+          <a:prstGeom prst="rect">
+            <a:avLst/>
+          </a:prstGeom>
+          <a:noFill/>
+        </p:spPr>
+        <p:txBody>
+          <a:bodyPr wrap="square" rtlCol="0">
+            <a:spAutoFit/>
+          </a:bodyPr>
+          <a:lstStyle/>
+          <a:p>
+            <a:r>
+              <a:rPr lang="en-US" dirty="0" smtClean="0"/>
+              <a:t>?action=…</a:t>
+            </a:r>
+            <a:r>
+              <a:rPr lang="en-US" dirty="0" smtClean="0"/>
+              <a:t>&amp;keyword=…</a:t>
+            </a:r>
+            <a:endParaRPr lang="en-US" dirty="0"/>
+          </a:p>
+        </p:txBody>
+      </p:sp>
+      <p:cxnSp>
+        <p:nvCxnSpPr>
+          <p:cNvPr id="54" name="Straight Arrow Connector 53"/>
+          <p:cNvCxnSpPr>
+            <a:stCxn id="285" idx="2"/>
+            <a:endCxn id="50" idx="0"/>
+          </p:cNvCxnSpPr>
+          <p:nvPr/>
+        </p:nvCxnSpPr>
+        <p:spPr>
+          <a:xfrm flipH="1">
+            <a:off x="7712353" y="4440176"/>
+            <a:ext cx="198233" cy="913787"/>
+          </a:xfrm>
+          <a:prstGeom prst="straightConnector1">
+            <a:avLst/>
+          </a:prstGeom>
+          <a:ln>
+            <a:tailEnd type="arrow"/>
+          </a:ln>
+        </p:spPr>
+        <p:style>
+          <a:lnRef idx="2">
+            <a:schemeClr val="accent1"/>
+          </a:lnRef>
+          <a:fillRef idx="0">
+            <a:schemeClr val="accent1"/>
+          </a:fillRef>
+          <a:effectRef idx="1">
+            <a:schemeClr val="accent1"/>
+          </a:effectRef>
+          <a:fontRef idx="minor">
+            <a:schemeClr val="tx1"/>
+          </a:fontRef>
+        </p:style>
+      </p:cxnSp>
     </p:spTree>
     <p:extLst>
       <p:ext uri="{BB962C8B-B14F-4D97-AF65-F5344CB8AC3E}">

--- a/cse135wirediagram.pptx
+++ b/cse135wirediagram.pptx
@@ -288,7 +288,7 @@
           <a:p>
             <a:fld id="{EE0C2178-2E82-D643-9F71-942F8020EBB4}" type="datetimeFigureOut">
               <a:rPr lang="en-US" smtClean="0"/>
-              <a:t>5/2/14</a:t>
+              <a:t>5/6/14</a:t>
             </a:fld>
             <a:endParaRPr lang="en-US"/>
           </a:p>
@@ -458,7 +458,7 @@
           <a:p>
             <a:fld id="{EE0C2178-2E82-D643-9F71-942F8020EBB4}" type="datetimeFigureOut">
               <a:rPr lang="en-US" smtClean="0"/>
-              <a:t>5/2/14</a:t>
+              <a:t>5/6/14</a:t>
             </a:fld>
             <a:endParaRPr lang="en-US"/>
           </a:p>
@@ -638,7 +638,7 @@
           <a:p>
             <a:fld id="{EE0C2178-2E82-D643-9F71-942F8020EBB4}" type="datetimeFigureOut">
               <a:rPr lang="en-US" smtClean="0"/>
-              <a:t>5/2/14</a:t>
+              <a:t>5/6/14</a:t>
             </a:fld>
             <a:endParaRPr lang="en-US"/>
           </a:p>
@@ -808,7 +808,7 @@
           <a:p>
             <a:fld id="{EE0C2178-2E82-D643-9F71-942F8020EBB4}" type="datetimeFigureOut">
               <a:rPr lang="en-US" smtClean="0"/>
-              <a:t>5/2/14</a:t>
+              <a:t>5/6/14</a:t>
             </a:fld>
             <a:endParaRPr lang="en-US"/>
           </a:p>
@@ -1054,7 +1054,7 @@
           <a:p>
             <a:fld id="{EE0C2178-2E82-D643-9F71-942F8020EBB4}" type="datetimeFigureOut">
               <a:rPr lang="en-US" smtClean="0"/>
-              <a:t>5/2/14</a:t>
+              <a:t>5/6/14</a:t>
             </a:fld>
             <a:endParaRPr lang="en-US"/>
           </a:p>
@@ -1342,7 +1342,7 @@
           <a:p>
             <a:fld id="{EE0C2178-2E82-D643-9F71-942F8020EBB4}" type="datetimeFigureOut">
               <a:rPr lang="en-US" smtClean="0"/>
-              <a:t>5/2/14</a:t>
+              <a:t>5/6/14</a:t>
             </a:fld>
             <a:endParaRPr lang="en-US"/>
           </a:p>
@@ -1764,7 +1764,7 @@
           <a:p>
             <a:fld id="{EE0C2178-2E82-D643-9F71-942F8020EBB4}" type="datetimeFigureOut">
               <a:rPr lang="en-US" smtClean="0"/>
-              <a:t>5/2/14</a:t>
+              <a:t>5/6/14</a:t>
             </a:fld>
             <a:endParaRPr lang="en-US"/>
           </a:p>
@@ -1882,7 +1882,7 @@
           <a:p>
             <a:fld id="{EE0C2178-2E82-D643-9F71-942F8020EBB4}" type="datetimeFigureOut">
               <a:rPr lang="en-US" smtClean="0"/>
-              <a:t>5/2/14</a:t>
+              <a:t>5/6/14</a:t>
             </a:fld>
             <a:endParaRPr lang="en-US"/>
           </a:p>
@@ -1977,7 +1977,7 @@
           <a:p>
             <a:fld id="{EE0C2178-2E82-D643-9F71-942F8020EBB4}" type="datetimeFigureOut">
               <a:rPr lang="en-US" smtClean="0"/>
-              <a:t>5/2/14</a:t>
+              <a:t>5/6/14</a:t>
             </a:fld>
             <a:endParaRPr lang="en-US"/>
           </a:p>
@@ -2254,7 +2254,7 @@
           <a:p>
             <a:fld id="{EE0C2178-2E82-D643-9F71-942F8020EBB4}" type="datetimeFigureOut">
               <a:rPr lang="en-US" smtClean="0"/>
-              <a:t>5/2/14</a:t>
+              <a:t>5/6/14</a:t>
             </a:fld>
             <a:endParaRPr lang="en-US"/>
           </a:p>
@@ -2507,7 +2507,7 @@
           <a:p>
             <a:fld id="{EE0C2178-2E82-D643-9F71-942F8020EBB4}" type="datetimeFigureOut">
               <a:rPr lang="en-US" smtClean="0"/>
-              <a:t>5/2/14</a:t>
+              <a:t>5/6/14</a:t>
             </a:fld>
             <a:endParaRPr lang="en-US"/>
           </a:p>
@@ -2720,7 +2720,7 @@
           <a:p>
             <a:fld id="{EE0C2178-2E82-D643-9F71-942F8020EBB4}" type="datetimeFigureOut">
               <a:rPr lang="en-US" smtClean="0"/>
-              <a:t>5/2/14</a:t>
+              <a:t>5/6/14</a:t>
             </a:fld>
             <a:endParaRPr lang="en-US"/>
           </a:p>
@@ -3103,8 +3103,8 @@
         </p:nvSpPr>
         <p:spPr>
           <a:xfrm>
-            <a:off x="0" y="31639"/>
-            <a:ext cx="1301750" cy="497417"/>
+            <a:off x="162884" y="176412"/>
+            <a:ext cx="1057949" cy="404633"/>
           </a:xfrm>
           <a:prstGeom prst="rect">
             <a:avLst/>
@@ -3130,30 +3130,14 @@
           <a:p>
             <a:pPr algn="ctr"/>
             <a:r>
-              <a:rPr lang="en-US" dirty="0" err="1">
+              <a:rPr lang="en-US" sz="1400" dirty="0" err="1" smtClean="0">
                 <a:solidFill>
                   <a:srgbClr val="000000"/>
                 </a:solidFill>
               </a:rPr>
-              <a:t>i</a:t>
-            </a:r>
-            <a:r>
-              <a:rPr lang="en-US" dirty="0" err="1" smtClean="0">
-                <a:solidFill>
-                  <a:srgbClr val="000000"/>
-                </a:solidFill>
-              </a:rPr>
-              <a:t>ndex.jsp</a:t>
-            </a:r>
-            <a:r>
-              <a:rPr lang="en-US" dirty="0" smtClean="0">
-                <a:solidFill>
-                  <a:srgbClr val="000000"/>
-                </a:solidFill>
-              </a:rPr>
-              <a:t>	</a:t>
-            </a:r>
-            <a:endParaRPr lang="en-US" dirty="0">
+              <a:t>index.jsp</a:t>
+            </a:r>
+            <a:endParaRPr lang="en-US" sz="1400" dirty="0">
               <a:solidFill>
                 <a:srgbClr val="000000"/>
               </a:solidFill>
@@ -3169,8 +3153,8 @@
         </p:nvSpPr>
         <p:spPr>
           <a:xfrm>
-            <a:off x="5484633" y="48575"/>
-            <a:ext cx="2009078" cy="497417"/>
+            <a:off x="4860919" y="1185179"/>
+            <a:ext cx="1632804" cy="404633"/>
           </a:xfrm>
           <a:prstGeom prst="rect">
             <a:avLst/>
@@ -3196,14 +3180,14 @@
           <a:p>
             <a:pPr algn="ctr"/>
             <a:r>
-              <a:rPr lang="en-US" dirty="0" err="1" smtClean="0">
+              <a:rPr lang="en-US" sz="1400" dirty="0" err="1" smtClean="0">
                 <a:solidFill>
                   <a:srgbClr val="000000"/>
                 </a:solidFill>
               </a:rPr>
               <a:t>login_confirm.jsp</a:t>
             </a:r>
-            <a:endParaRPr lang="en-US" dirty="0">
+            <a:endParaRPr lang="en-US" sz="1400" dirty="0">
               <a:solidFill>
                 <a:srgbClr val="000000"/>
               </a:solidFill>
@@ -3221,8 +3205,8 @@
         </p:nvCxnSpPr>
         <p:spPr>
           <a:xfrm flipV="1">
-            <a:off x="5484633" y="297284"/>
-            <a:ext cx="0" cy="16936"/>
+            <a:off x="4860919" y="1387496"/>
+            <a:ext cx="0" cy="13777"/>
           </a:xfrm>
           <a:prstGeom prst="line">
             <a:avLst/>
@@ -3243,38 +3227,6 @@
           </a:fontRef>
         </p:style>
       </p:cxnSp>
-      <p:cxnSp>
-        <p:nvCxnSpPr>
-          <p:cNvPr id="69" name="Straight Connector 68"/>
-          <p:cNvCxnSpPr>
-            <a:endCxn id="4" idx="0"/>
-          </p:cNvCxnSpPr>
-          <p:nvPr/>
-        </p:nvCxnSpPr>
-        <p:spPr>
-          <a:xfrm>
-            <a:off x="6489172" y="-12920"/>
-            <a:ext cx="0" cy="61495"/>
-          </a:xfrm>
-          <a:prstGeom prst="line">
-            <a:avLst/>
-          </a:prstGeom>
-        </p:spPr>
-        <p:style>
-          <a:lnRef idx="2">
-            <a:schemeClr val="accent1"/>
-          </a:lnRef>
-          <a:fillRef idx="0">
-            <a:schemeClr val="accent1"/>
-          </a:fillRef>
-          <a:effectRef idx="1">
-            <a:schemeClr val="accent1"/>
-          </a:effectRef>
-          <a:fontRef idx="minor">
-            <a:schemeClr val="tx1"/>
-          </a:fontRef>
-        </p:style>
-      </p:cxnSp>
       <p:sp>
         <p:nvSpPr>
           <p:cNvPr id="56" name="Rectangle 55"/>
@@ -3283,8 +3235,8 @@
         </p:nvSpPr>
         <p:spPr>
           <a:xfrm>
-            <a:off x="1679771" y="31639"/>
-            <a:ext cx="1301750" cy="497417"/>
+            <a:off x="1791663" y="1185179"/>
+            <a:ext cx="1057949" cy="404633"/>
           </a:xfrm>
           <a:prstGeom prst="rect">
             <a:avLst/>
@@ -3310,7 +3262,7 @@
           <a:p>
             <a:pPr algn="ctr"/>
             <a:r>
-              <a:rPr lang="en-US" dirty="0" err="1">
+              <a:rPr lang="en-US" sz="1400" dirty="0" err="1">
                 <a:solidFill>
                   <a:srgbClr val="000000"/>
                 </a:solidFill>
@@ -3318,14 +3270,14 @@
               <a:t>l</a:t>
             </a:r>
             <a:r>
-              <a:rPr lang="en-US" dirty="0" err="1" smtClean="0">
+              <a:rPr lang="en-US" sz="1400" dirty="0" err="1" smtClean="0">
                 <a:solidFill>
                   <a:srgbClr val="000000"/>
                 </a:solidFill>
               </a:rPr>
               <a:t>ogin.jsp</a:t>
             </a:r>
-            <a:endParaRPr lang="en-US" dirty="0">
+            <a:endParaRPr lang="en-US" sz="1400" dirty="0">
               <a:solidFill>
                 <a:srgbClr val="000000"/>
               </a:solidFill>
@@ -3341,8 +3293,8 @@
         </p:nvSpPr>
         <p:spPr>
           <a:xfrm>
-            <a:off x="1378502" y="2894277"/>
-            <a:ext cx="2358649" cy="497417"/>
+            <a:off x="1093664" y="4068005"/>
+            <a:ext cx="2453947" cy="404633"/>
           </a:xfrm>
           <a:prstGeom prst="rect">
             <a:avLst/>
@@ -3368,14 +3320,14 @@
           <a:p>
             <a:pPr algn="ctr"/>
             <a:r>
-              <a:rPr lang="en-US" dirty="0" err="1" smtClean="0">
+              <a:rPr lang="en-US" sz="1400" dirty="0" err="1" smtClean="0">
                 <a:solidFill>
                   <a:srgbClr val="000000"/>
                 </a:solidFill>
               </a:rPr>
               <a:t>product_browsing_results.jsp</a:t>
             </a:r>
-            <a:endParaRPr lang="en-US" dirty="0">
+            <a:endParaRPr lang="en-US" sz="1400" dirty="0">
               <a:solidFill>
                 <a:srgbClr val="000000"/>
               </a:solidFill>
@@ -3391,8 +3343,8 @@
         </p:nvSpPr>
         <p:spPr>
           <a:xfrm>
-            <a:off x="3311712" y="344390"/>
-            <a:ext cx="1511995" cy="369332"/>
+            <a:off x="3305218" y="1412038"/>
+            <a:ext cx="1228818" cy="273976"/>
           </a:xfrm>
           <a:prstGeom prst="rect">
             <a:avLst/>
@@ -3406,10 +3358,10 @@
           <a:lstStyle/>
           <a:p>
             <a:r>
-              <a:rPr lang="en-US" dirty="0" smtClean="0"/>
+              <a:rPr lang="en-US" sz="1400" dirty="0" smtClean="0"/>
               <a:t>?username=…</a:t>
             </a:r>
-            <a:endParaRPr lang="en-US" dirty="0"/>
+            <a:endParaRPr lang="en-US" sz="1400" dirty="0"/>
           </a:p>
         </p:txBody>
       </p:sp>
@@ -3421,8 +3373,8 @@
         </p:nvSpPr>
         <p:spPr>
           <a:xfrm>
-            <a:off x="6898392" y="1172496"/>
-            <a:ext cx="2066675" cy="556687"/>
+            <a:off x="6608501" y="2061469"/>
+            <a:ext cx="1679614" cy="452847"/>
           </a:xfrm>
           <a:prstGeom prst="rect">
             <a:avLst/>
@@ -3448,14 +3400,14 @@
           <a:p>
             <a:pPr algn="ctr"/>
             <a:r>
-              <a:rPr lang="en-US" dirty="0" err="1" smtClean="0">
+              <a:rPr lang="en-US" sz="1400" dirty="0" err="1" smtClean="0">
                 <a:solidFill>
                   <a:srgbClr val="000000"/>
                 </a:solidFill>
               </a:rPr>
               <a:t>buycart.jsp</a:t>
             </a:r>
-            <a:endParaRPr lang="en-US" dirty="0">
+            <a:endParaRPr lang="en-US" sz="1400" dirty="0">
               <a:solidFill>
                 <a:srgbClr val="000000"/>
               </a:solidFill>
@@ -3471,8 +3423,8 @@
         </p:nvSpPr>
         <p:spPr>
           <a:xfrm>
-            <a:off x="6898392" y="2809610"/>
-            <a:ext cx="2066675" cy="582084"/>
+            <a:off x="6856568" y="3159217"/>
+            <a:ext cx="1679614" cy="473507"/>
           </a:xfrm>
           <a:prstGeom prst="rect">
             <a:avLst/>
@@ -3498,7 +3450,7 @@
           <a:p>
             <a:pPr algn="ctr"/>
             <a:r>
-              <a:rPr lang="en-US" dirty="0" err="1">
+              <a:rPr lang="en-US" sz="1400" dirty="0" err="1">
                 <a:solidFill>
                   <a:srgbClr val="000000"/>
                 </a:solidFill>
@@ -3506,14 +3458,14 @@
               <a:t>c</a:t>
             </a:r>
             <a:r>
-              <a:rPr lang="en-US" dirty="0" err="1" smtClean="0">
+              <a:rPr lang="en-US" sz="1400" dirty="0" err="1" smtClean="0">
                 <a:solidFill>
                   <a:srgbClr val="000000"/>
                 </a:solidFill>
               </a:rPr>
               <a:t>onfirmation.jsp</a:t>
             </a:r>
-            <a:endParaRPr lang="en-US" dirty="0">
+            <a:endParaRPr lang="en-US" sz="1400" dirty="0">
               <a:solidFill>
                 <a:srgbClr val="000000"/>
               </a:solidFill>
@@ -3529,8 +3481,8 @@
         </p:nvSpPr>
         <p:spPr>
           <a:xfrm>
-            <a:off x="491152" y="4440176"/>
-            <a:ext cx="2066675" cy="582084"/>
+            <a:off x="691859" y="5602404"/>
+            <a:ext cx="1679614" cy="473507"/>
           </a:xfrm>
           <a:prstGeom prst="rect">
             <a:avLst/>
@@ -3556,14 +3508,14 @@
           <a:p>
             <a:pPr algn="ctr"/>
             <a:r>
-              <a:rPr lang="en-US" dirty="0" err="1" smtClean="0">
+              <a:rPr lang="en-US" sz="1400" dirty="0" err="1" smtClean="0">
                 <a:solidFill>
                   <a:srgbClr val="000000"/>
                 </a:solidFill>
               </a:rPr>
               <a:t>productorder.jsp</a:t>
             </a:r>
-            <a:endParaRPr lang="en-US" dirty="0">
+            <a:endParaRPr lang="en-US" sz="1400" dirty="0">
               <a:solidFill>
                 <a:srgbClr val="000000"/>
               </a:solidFill>
@@ -3576,14 +3528,14 @@
           <p:cNvPr id="10" name="Straight Arrow Connector 9"/>
           <p:cNvCxnSpPr>
             <a:stCxn id="76" idx="2"/>
-            <a:endCxn id="21" idx="3"/>
+            <a:endCxn id="21" idx="0"/>
           </p:cNvCxnSpPr>
           <p:nvPr/>
         </p:nvCxnSpPr>
         <p:spPr>
-          <a:xfrm>
-            <a:off x="2557827" y="3391694"/>
-            <a:ext cx="0" cy="1339524"/>
+          <a:xfrm flipH="1">
+            <a:off x="1531666" y="4472638"/>
+            <a:ext cx="788972" cy="1129766"/>
           </a:xfrm>
           <a:prstGeom prst="straightConnector1">
             <a:avLst/>
@@ -3618,8 +3570,8 @@
         </p:nvCxnSpPr>
         <p:spPr>
           <a:xfrm>
-            <a:off x="7931730" y="1729183"/>
-            <a:ext cx="0" cy="1080427"/>
+            <a:off x="7448308" y="2514316"/>
+            <a:ext cx="248067" cy="644901"/>
           </a:xfrm>
           <a:prstGeom prst="straightConnector1">
             <a:avLst/>
@@ -3651,8 +3603,8 @@
         </p:nvSpPr>
         <p:spPr>
           <a:xfrm>
-            <a:off x="7917317" y="2008094"/>
-            <a:ext cx="1047750" cy="369332"/>
+            <a:off x="7548008" y="2649620"/>
+            <a:ext cx="851520" cy="273976"/>
           </a:xfrm>
           <a:prstGeom prst="rect">
             <a:avLst/>
@@ -3666,18 +3618,18 @@
           <a:lstStyle/>
           <a:p>
             <a:r>
-              <a:rPr lang="en-US" dirty="0" smtClean="0"/>
+              <a:rPr lang="en-US" sz="1400" dirty="0" smtClean="0"/>
               <a:t>?</a:t>
             </a:r>
             <a:r>
-              <a:rPr lang="en-US" dirty="0" err="1" smtClean="0"/>
+              <a:rPr lang="en-US" sz="1400" dirty="0" err="1" smtClean="0"/>
               <a:t>conf</a:t>
             </a:r>
             <a:r>
-              <a:rPr lang="en-US" dirty="0" smtClean="0"/>
+              <a:rPr lang="en-US" sz="1400" dirty="0" smtClean="0"/>
               <a:t>=</a:t>
             </a:r>
-            <a:endParaRPr lang="en-US" dirty="0"/>
+            <a:endParaRPr lang="en-US" sz="1400" dirty="0"/>
           </a:p>
         </p:txBody>
       </p:sp>
@@ -3689,8 +3641,8 @@
         </p:nvSpPr>
         <p:spPr>
           <a:xfrm>
-            <a:off x="1248849" y="3454154"/>
-            <a:ext cx="1676048" cy="923330"/>
+            <a:off x="836894" y="4592538"/>
+            <a:ext cx="995732" cy="738664"/>
           </a:xfrm>
           <a:prstGeom prst="rect">
             <a:avLst/>
@@ -3704,18 +3656,18 @@
           <a:lstStyle/>
           <a:p>
             <a:r>
-              <a:rPr lang="en-US" dirty="0" smtClean="0"/>
+              <a:rPr lang="en-US" sz="1400" dirty="0" smtClean="0"/>
               <a:t>?order=…&amp;product=…&amp;</a:t>
             </a:r>
             <a:r>
-              <a:rPr lang="en-US" dirty="0" err="1" smtClean="0"/>
+              <a:rPr lang="en-US" sz="1400" dirty="0" err="1" smtClean="0"/>
               <a:t>cid</a:t>
             </a:r>
             <a:r>
-              <a:rPr lang="en-US" dirty="0" smtClean="0"/>
+              <a:rPr lang="en-US" sz="1400" dirty="0" smtClean="0"/>
               <a:t>=…</a:t>
             </a:r>
-            <a:endParaRPr lang="en-US" dirty="0"/>
+            <a:endParaRPr lang="en-US" sz="1400" dirty="0"/>
           </a:p>
         </p:txBody>
       </p:sp>
@@ -3727,8 +3679,8 @@
         </p:nvSpPr>
         <p:spPr>
           <a:xfrm>
-            <a:off x="47800" y="5154381"/>
-            <a:ext cx="2163174" cy="923330"/>
+            <a:off x="331541" y="6183387"/>
+            <a:ext cx="1758040" cy="465758"/>
           </a:xfrm>
           <a:prstGeom prst="rect">
             <a:avLst/>
@@ -3742,16 +3694,16 @@
           <a:lstStyle/>
           <a:p>
             <a:r>
-              <a:rPr lang="en-US" dirty="0" smtClean="0"/>
+              <a:rPr lang="en-US" sz="1400" dirty="0" smtClean="0"/>
               <a:t>?action=…&amp;product=...</a:t>
             </a:r>
           </a:p>
           <a:p>
             <a:r>
-              <a:rPr lang="en-US" dirty="0" smtClean="0"/>
+              <a:rPr lang="en-US" sz="1400" dirty="0" smtClean="0"/>
               <a:t>&amp;quantity=…</a:t>
             </a:r>
-            <a:endParaRPr lang="en-US" dirty="0"/>
+            <a:endParaRPr lang="en-US" sz="1400" dirty="0"/>
           </a:p>
         </p:txBody>
       </p:sp>
@@ -3763,8 +3715,8 @@
         </p:nvSpPr>
         <p:spPr>
           <a:xfrm>
-            <a:off x="7638046" y="48575"/>
-            <a:ext cx="1760937" cy="369332"/>
+            <a:off x="6671560" y="1387496"/>
+            <a:ext cx="1431137" cy="273976"/>
           </a:xfrm>
           <a:prstGeom prst="rect">
             <a:avLst/>
@@ -3778,10 +3730,10 @@
           <a:lstStyle/>
           <a:p>
             <a:r>
-              <a:rPr lang="en-US" dirty="0" smtClean="0"/>
+              <a:rPr lang="en-US" sz="1400" dirty="0" smtClean="0"/>
               <a:t>?username=…</a:t>
             </a:r>
-            <a:endParaRPr lang="en-US" dirty="0"/>
+            <a:endParaRPr lang="en-US" sz="1400" dirty="0"/>
           </a:p>
         </p:txBody>
       </p:sp>
@@ -3796,8 +3748,8 @@
         </p:nvCxnSpPr>
         <p:spPr>
           <a:xfrm rot="10800000" flipH="1" flipV="1">
-            <a:off x="491152" y="4731218"/>
-            <a:ext cx="1033338" cy="291042"/>
+            <a:off x="691859" y="5839157"/>
+            <a:ext cx="839807" cy="236753"/>
           </a:xfrm>
           <a:prstGeom prst="curvedConnector4">
             <a:avLst>
@@ -3832,8 +3784,8 @@
         </p:nvSpPr>
         <p:spPr>
           <a:xfrm>
-            <a:off x="4291634" y="2927072"/>
-            <a:ext cx="2066675" cy="792204"/>
+            <a:off x="4948153" y="3948105"/>
+            <a:ext cx="1458336" cy="644433"/>
           </a:xfrm>
           <a:prstGeom prst="rect">
             <a:avLst/>
@@ -3859,7 +3811,7 @@
           <a:p>
             <a:pPr algn="ctr"/>
             <a:r>
-              <a:rPr lang="en-US" dirty="0" err="1">
+              <a:rPr lang="en-US" sz="1400" dirty="0" err="1">
                 <a:solidFill>
                   <a:srgbClr val="000000"/>
                 </a:solidFill>
@@ -3867,14 +3819,14 @@
               <a:t>p</a:t>
             </a:r>
             <a:r>
-              <a:rPr lang="en-US" dirty="0" err="1" smtClean="0">
+              <a:rPr lang="en-US" sz="1400" dirty="0" err="1" smtClean="0">
                 <a:solidFill>
                   <a:srgbClr val="000000"/>
                 </a:solidFill>
               </a:rPr>
               <a:t>roduct_browsing_category.jsp</a:t>
             </a:r>
-            <a:endParaRPr lang="en-US" dirty="0">
+            <a:endParaRPr lang="en-US" sz="1400" dirty="0">
               <a:solidFill>
                 <a:srgbClr val="000000"/>
               </a:solidFill>
@@ -3890,8 +3842,8 @@
         </p:nvSpPr>
         <p:spPr>
           <a:xfrm>
-            <a:off x="4291634" y="1147099"/>
-            <a:ext cx="2066675" cy="582084"/>
+            <a:off x="3601021" y="2313101"/>
+            <a:ext cx="1940256" cy="473507"/>
           </a:xfrm>
           <a:prstGeom prst="rect">
             <a:avLst/>
@@ -3917,14 +3869,14 @@
           <a:p>
             <a:pPr algn="ctr"/>
             <a:r>
-              <a:rPr lang="en-US" dirty="0" err="1" smtClean="0">
+              <a:rPr lang="en-US" sz="1400" dirty="0" err="1" smtClean="0">
                 <a:solidFill>
                   <a:srgbClr val="000000"/>
                 </a:solidFill>
               </a:rPr>
               <a:t>product_browsing.jsp</a:t>
             </a:r>
-            <a:endParaRPr lang="en-US" dirty="0">
+            <a:endParaRPr lang="en-US" sz="1400" dirty="0">
               <a:solidFill>
                 <a:srgbClr val="000000"/>
               </a:solidFill>
@@ -3943,8 +3895,8 @@
         </p:nvCxnSpPr>
         <p:spPr>
           <a:xfrm flipH="1">
-            <a:off x="5324972" y="545992"/>
-            <a:ext cx="1164200" cy="601107"/>
+            <a:off x="4571149" y="1589812"/>
+            <a:ext cx="1106172" cy="723289"/>
           </a:xfrm>
           <a:prstGeom prst="straightConnector1">
             <a:avLst/>
@@ -3979,8 +3931,8 @@
         </p:nvCxnSpPr>
         <p:spPr>
           <a:xfrm flipH="1">
-            <a:off x="3737151" y="1729183"/>
-            <a:ext cx="1587821" cy="1413803"/>
+            <a:off x="3547611" y="2786608"/>
+            <a:ext cx="1023538" cy="1483714"/>
           </a:xfrm>
           <a:prstGeom prst="straightConnector1">
             <a:avLst/>
@@ -4015,8 +3967,8 @@
         </p:nvCxnSpPr>
         <p:spPr>
           <a:xfrm>
-            <a:off x="5324972" y="1729183"/>
-            <a:ext cx="0" cy="1197889"/>
+            <a:off x="4571149" y="2786608"/>
+            <a:ext cx="1106172" cy="1161497"/>
           </a:xfrm>
           <a:prstGeom prst="straightConnector1">
             <a:avLst/>
@@ -4048,8 +4000,8 @@
         </p:nvSpPr>
         <p:spPr>
           <a:xfrm>
-            <a:off x="5273644" y="2219123"/>
-            <a:ext cx="1268445" cy="923330"/>
+            <a:off x="4408101" y="3392096"/>
+            <a:ext cx="1030881" cy="465758"/>
           </a:xfrm>
           <a:prstGeom prst="rect">
             <a:avLst/>
@@ -4063,24 +4015,24 @@
           <a:lstStyle/>
           <a:p>
             <a:r>
-              <a:rPr lang="en-US" dirty="0" smtClean="0"/>
+              <a:rPr lang="en-US" sz="1400" dirty="0" smtClean="0"/>
               <a:t>?</a:t>
             </a:r>
             <a:r>
-              <a:rPr lang="en-US" dirty="0" err="1" smtClean="0"/>
+              <a:rPr lang="en-US" sz="1400" dirty="0" err="1" smtClean="0"/>
               <a:t>cid</a:t>
             </a:r>
             <a:r>
-              <a:rPr lang="en-US" dirty="0" smtClean="0"/>
+              <a:rPr lang="en-US" sz="1400" dirty="0" smtClean="0"/>
               <a:t>=…</a:t>
             </a:r>
           </a:p>
           <a:p>
             <a:r>
-              <a:rPr lang="en-US" dirty="0" smtClean="0"/>
+              <a:rPr lang="en-US" sz="1400" dirty="0" smtClean="0"/>
               <a:t>&amp;category=...</a:t>
             </a:r>
-            <a:endParaRPr lang="en-US" dirty="0"/>
+            <a:endParaRPr lang="en-US" sz="1400" dirty="0"/>
           </a:p>
         </p:txBody>
       </p:sp>
@@ -4092,8 +4044,8 @@
         </p:nvSpPr>
         <p:spPr>
           <a:xfrm>
-            <a:off x="3478602" y="1902492"/>
-            <a:ext cx="1519467" cy="646331"/>
+            <a:off x="3276444" y="3159217"/>
+            <a:ext cx="1234891" cy="465758"/>
           </a:xfrm>
           <a:prstGeom prst="rect">
             <a:avLst/>
@@ -4107,24 +4059,24 @@
           <a:lstStyle/>
           <a:p>
             <a:r>
-              <a:rPr lang="en-US" dirty="0" smtClean="0"/>
+              <a:rPr lang="en-US" sz="1400" dirty="0" smtClean="0"/>
               <a:t>?keyword=…</a:t>
             </a:r>
           </a:p>
           <a:p>
             <a:r>
-              <a:rPr lang="en-US" dirty="0" smtClean="0"/>
+              <a:rPr lang="en-US" sz="1400" dirty="0" smtClean="0"/>
               <a:t>&amp;</a:t>
             </a:r>
             <a:r>
-              <a:rPr lang="en-US" dirty="0" err="1" smtClean="0"/>
+              <a:rPr lang="en-US" sz="1400" dirty="0" err="1" smtClean="0"/>
               <a:t>cid</a:t>
             </a:r>
             <a:r>
-              <a:rPr lang="en-US" dirty="0" smtClean="0"/>
+              <a:rPr lang="en-US" sz="1400" dirty="0" smtClean="0"/>
               <a:t>=…</a:t>
             </a:r>
-            <a:endParaRPr lang="en-US" dirty="0"/>
+            <a:endParaRPr lang="en-US" sz="1400" dirty="0"/>
           </a:p>
         </p:txBody>
       </p:sp>
@@ -4139,8 +4091,8 @@
         </p:nvCxnSpPr>
         <p:spPr>
           <a:xfrm>
-            <a:off x="1301750" y="280348"/>
-            <a:ext cx="378021" cy="0"/>
+            <a:off x="1220833" y="378729"/>
+            <a:ext cx="570830" cy="1008767"/>
           </a:xfrm>
           <a:prstGeom prst="straightConnector1">
             <a:avLst/>
@@ -4175,8 +4127,8 @@
         </p:nvCxnSpPr>
         <p:spPr>
           <a:xfrm>
-            <a:off x="2981521" y="280348"/>
-            <a:ext cx="2503112" cy="16936"/>
+            <a:off x="2849612" y="1387496"/>
+            <a:ext cx="2011307" cy="0"/>
           </a:xfrm>
           <a:prstGeom prst="straightConnector1">
             <a:avLst/>
@@ -4211,13 +4163,13 @@
         </p:nvCxnSpPr>
         <p:spPr>
           <a:xfrm flipH="1">
-            <a:off x="6489172" y="297284"/>
-            <a:ext cx="1004539" cy="248708"/>
+            <a:off x="5677321" y="1387496"/>
+            <a:ext cx="816402" cy="202316"/>
           </a:xfrm>
           <a:prstGeom prst="curvedConnector4">
             <a:avLst>
-              <a:gd name="adj1" fmla="val -22757"/>
-              <a:gd name="adj2" fmla="val 191915"/>
+              <a:gd name="adj1" fmla="val -28001"/>
+              <a:gd name="adj2" fmla="val 212992"/>
             </a:avLst>
           </a:prstGeom>
           <a:ln>
@@ -4250,8 +4202,8 @@
         </p:nvCxnSpPr>
         <p:spPr>
           <a:xfrm>
-            <a:off x="6489172" y="545992"/>
-            <a:ext cx="1442558" cy="626504"/>
+            <a:off x="5677321" y="1589812"/>
+            <a:ext cx="1770987" cy="471657"/>
           </a:xfrm>
           <a:prstGeom prst="straightConnector1">
             <a:avLst/>
@@ -4280,14 +4232,14 @@
           <p:cNvPr id="229" name="Straight Arrow Connector 228"/>
           <p:cNvCxnSpPr>
             <a:stCxn id="19" idx="0"/>
-            <a:endCxn id="184" idx="2"/>
+            <a:endCxn id="184" idx="3"/>
           </p:cNvCxnSpPr>
           <p:nvPr/>
         </p:nvCxnSpPr>
         <p:spPr>
           <a:xfrm flipH="1" flipV="1">
-            <a:off x="5324972" y="1729183"/>
-            <a:ext cx="2606758" cy="1080427"/>
+            <a:off x="5541277" y="2549855"/>
+            <a:ext cx="2155098" cy="609362"/>
           </a:xfrm>
           <a:prstGeom prst="straightConnector1">
             <a:avLst/>
@@ -4319,8 +4271,8 @@
         </p:nvSpPr>
         <p:spPr>
           <a:xfrm>
-            <a:off x="2086873" y="1219427"/>
-            <a:ext cx="1301750" cy="497417"/>
+            <a:off x="1481718" y="2379158"/>
+            <a:ext cx="1677840" cy="318729"/>
           </a:xfrm>
           <a:prstGeom prst="rect">
             <a:avLst/>
@@ -4346,7 +4298,7 @@
           <a:p>
             <a:pPr algn="ctr"/>
             <a:r>
-              <a:rPr lang="en-US" dirty="0" err="1">
+              <a:rPr lang="en-US" sz="1400" dirty="0" err="1">
                 <a:solidFill>
                   <a:srgbClr val="000000"/>
                 </a:solidFill>
@@ -4354,14 +4306,14 @@
               <a:t>s</a:t>
             </a:r>
             <a:r>
-              <a:rPr lang="en-US" dirty="0" err="1" smtClean="0">
+              <a:rPr lang="en-US" sz="1400" dirty="0" err="1" smtClean="0">
                 <a:solidFill>
                   <a:srgbClr val="000000"/>
                 </a:solidFill>
               </a:rPr>
               <a:t>ignup_confirm.jsp</a:t>
             </a:r>
-            <a:endParaRPr lang="en-US" dirty="0">
+            <a:endParaRPr lang="en-US" sz="1400" dirty="0">
               <a:solidFill>
                 <a:srgbClr val="000000"/>
               </a:solidFill>
@@ -4377,8 +4329,8 @@
         </p:nvSpPr>
         <p:spPr>
           <a:xfrm>
-            <a:off x="24279" y="1177883"/>
-            <a:ext cx="1301750" cy="497417"/>
+            <a:off x="162884" y="1339160"/>
+            <a:ext cx="1057949" cy="404633"/>
           </a:xfrm>
           <a:prstGeom prst="rect">
             <a:avLst/>
@@ -4404,14 +4356,14 @@
           <a:p>
             <a:pPr algn="ctr"/>
             <a:r>
-              <a:rPr lang="en-US" dirty="0" err="1" smtClean="0">
+              <a:rPr lang="en-US" sz="1400" dirty="0" err="1" smtClean="0">
                 <a:solidFill>
                   <a:srgbClr val="000000"/>
                 </a:solidFill>
               </a:rPr>
               <a:t>signup.jsp</a:t>
             </a:r>
-            <a:endParaRPr lang="en-US" dirty="0">
+            <a:endParaRPr lang="en-US" sz="1400" dirty="0">
               <a:solidFill>
                 <a:srgbClr val="000000"/>
               </a:solidFill>
@@ -4430,8 +4382,8 @@
         </p:nvCxnSpPr>
         <p:spPr>
           <a:xfrm>
-            <a:off x="650875" y="529056"/>
-            <a:ext cx="24279" cy="648827"/>
+            <a:off x="691859" y="581045"/>
+            <a:ext cx="0" cy="758115"/>
           </a:xfrm>
           <a:prstGeom prst="straightConnector1">
             <a:avLst/>
@@ -4459,15 +4411,15 @@
         <p:nvCxnSpPr>
           <p:cNvPr id="240" name="Straight Arrow Connector 239"/>
           <p:cNvCxnSpPr>
-            <a:stCxn id="234" idx="3"/>
+            <a:stCxn id="234" idx="2"/>
             <a:endCxn id="233" idx="1"/>
           </p:cNvCxnSpPr>
           <p:nvPr/>
         </p:nvCxnSpPr>
         <p:spPr>
           <a:xfrm>
-            <a:off x="1326029" y="1426592"/>
-            <a:ext cx="760844" cy="41544"/>
+            <a:off x="691859" y="1743793"/>
+            <a:ext cx="789859" cy="794730"/>
           </a:xfrm>
           <a:prstGeom prst="straightConnector1">
             <a:avLst/>
@@ -4499,8 +4451,8 @@
         </p:nvSpPr>
         <p:spPr>
           <a:xfrm>
-            <a:off x="1129387" y="1693948"/>
-            <a:ext cx="2707388" cy="1200329"/>
+            <a:off x="69421" y="2061469"/>
+            <a:ext cx="1265339" cy="954107"/>
           </a:xfrm>
           <a:prstGeom prst="rect">
             <a:avLst/>
@@ -4514,28 +4466,28 @@
           <a:lstStyle/>
           <a:p>
             <a:r>
-              <a:rPr lang="en-US" dirty="0" smtClean="0"/>
+              <a:rPr lang="en-US" sz="1400" dirty="0" smtClean="0"/>
               <a:t>?username=…</a:t>
             </a:r>
           </a:p>
           <a:p>
             <a:r>
-              <a:rPr lang="en-US" dirty="0" smtClean="0"/>
+              <a:rPr lang="en-US" sz="1400" dirty="0" smtClean="0"/>
               <a:t>&amp;role=…</a:t>
             </a:r>
           </a:p>
           <a:p>
             <a:r>
-              <a:rPr lang="en-US" dirty="0" smtClean="0"/>
+              <a:rPr lang="en-US" sz="1400" dirty="0" smtClean="0"/>
               <a:t>&amp;age=…</a:t>
             </a:r>
           </a:p>
           <a:p>
             <a:r>
-              <a:rPr lang="en-US" dirty="0" smtClean="0"/>
+              <a:rPr lang="en-US" sz="1400" dirty="0" smtClean="0"/>
               <a:t>&amp;state=…</a:t>
             </a:r>
-            <a:endParaRPr lang="en-US" dirty="0"/>
+            <a:endParaRPr lang="en-US" sz="1400" dirty="0"/>
           </a:p>
         </p:txBody>
       </p:sp>
@@ -4549,9 +4501,9 @@
           <p:nvPr/>
         </p:nvCxnSpPr>
         <p:spPr>
-          <a:xfrm flipV="1">
-            <a:off x="3388623" y="1438141"/>
-            <a:ext cx="903011" cy="29995"/>
+          <a:xfrm>
+            <a:off x="3159558" y="2538523"/>
+            <a:ext cx="441463" cy="11332"/>
           </a:xfrm>
           <a:prstGeom prst="straightConnector1">
             <a:avLst/>
@@ -4585,9 +4537,9 @@
           <p:nvPr/>
         </p:nvCxnSpPr>
         <p:spPr>
-          <a:xfrm flipH="1" flipV="1">
-            <a:off x="2330646" y="529056"/>
-            <a:ext cx="407102" cy="690371"/>
+          <a:xfrm flipV="1">
+            <a:off x="2320638" y="1589812"/>
+            <a:ext cx="0" cy="789346"/>
           </a:xfrm>
           <a:prstGeom prst="straightConnector1">
             <a:avLst/>
@@ -4621,9 +4573,9 @@
           <p:nvPr/>
         </p:nvCxnSpPr>
         <p:spPr>
-          <a:xfrm flipH="1" flipV="1">
-            <a:off x="3737151" y="3142986"/>
-            <a:ext cx="554483" cy="180188"/>
+          <a:xfrm flipH="1">
+            <a:off x="3547611" y="4270322"/>
+            <a:ext cx="1400542" cy="0"/>
           </a:xfrm>
           <a:prstGeom prst="straightConnector1">
             <a:avLst/>
@@ -4655,8 +4607,8 @@
         </p:nvSpPr>
         <p:spPr>
           <a:xfrm>
-            <a:off x="3372846" y="3323174"/>
-            <a:ext cx="1837575" cy="646331"/>
+            <a:off x="3818229" y="4259733"/>
+            <a:ext cx="1493422" cy="273976"/>
           </a:xfrm>
           <a:prstGeom prst="rect">
             <a:avLst/>
@@ -4670,18 +4622,18 @@
           <a:lstStyle/>
           <a:p>
             <a:r>
-              <a:rPr lang="en-US" dirty="0" smtClean="0"/>
+              <a:rPr lang="en-US" sz="1400" dirty="0" smtClean="0"/>
               <a:t>?keyword=…&amp;</a:t>
             </a:r>
             <a:r>
-              <a:rPr lang="en-US" dirty="0" err="1" smtClean="0"/>
+              <a:rPr lang="en-US" sz="1400" dirty="0" err="1" smtClean="0"/>
               <a:t>cid</a:t>
             </a:r>
             <a:r>
-              <a:rPr lang="en-US" dirty="0" smtClean="0"/>
+              <a:rPr lang="en-US" sz="1400" dirty="0" smtClean="0"/>
               <a:t>=…</a:t>
             </a:r>
-            <a:endParaRPr lang="en-US" dirty="0"/>
+            <a:endParaRPr lang="en-US" sz="1400" dirty="0"/>
           </a:p>
         </p:txBody>
       </p:sp>
@@ -4693,8 +4645,8 @@
         </p:nvSpPr>
         <p:spPr>
           <a:xfrm>
-            <a:off x="4177083" y="4863339"/>
-            <a:ext cx="2066675" cy="582084"/>
+            <a:off x="3044901" y="5089269"/>
+            <a:ext cx="1679614" cy="473507"/>
           </a:xfrm>
           <a:prstGeom prst="rect">
             <a:avLst/>
@@ -4720,14 +4672,14 @@
           <a:p>
             <a:pPr algn="ctr"/>
             <a:r>
-              <a:rPr lang="en-US" dirty="0" err="1" smtClean="0">
+              <a:rPr lang="en-US" sz="1400" dirty="0" err="1" smtClean="0">
                 <a:solidFill>
                   <a:srgbClr val="000000"/>
                 </a:solidFill>
               </a:rPr>
               <a:t>redirect.jsp</a:t>
             </a:r>
-            <a:endParaRPr lang="en-US" dirty="0">
+            <a:endParaRPr lang="en-US" sz="1400" dirty="0">
               <a:solidFill>
                 <a:srgbClr val="000000"/>
               </a:solidFill>
@@ -4743,8 +4695,8 @@
         </p:nvSpPr>
         <p:spPr>
           <a:xfrm>
-            <a:off x="6877248" y="3858092"/>
-            <a:ext cx="2066675" cy="582084"/>
+            <a:off x="6708202" y="4270322"/>
+            <a:ext cx="1679614" cy="473507"/>
           </a:xfrm>
           <a:prstGeom prst="rect">
             <a:avLst/>
@@ -4770,14 +4722,14 @@
           <a:p>
             <a:pPr algn="ctr"/>
             <a:r>
-              <a:rPr lang="en-US" dirty="0" err="1" smtClean="0">
+              <a:rPr lang="en-US" sz="1400" dirty="0" err="1" smtClean="0">
                 <a:solidFill>
                   <a:srgbClr val="000000"/>
                 </a:solidFill>
               </a:rPr>
               <a:t>categories.jsp</a:t>
             </a:r>
-            <a:endParaRPr lang="en-US" dirty="0">
+            <a:endParaRPr lang="en-US" sz="1400" dirty="0">
               <a:solidFill>
                 <a:srgbClr val="000000"/>
               </a:solidFill>
@@ -4796,8 +4748,8 @@
         </p:nvCxnSpPr>
         <p:spPr>
           <a:xfrm>
-            <a:off x="6489172" y="545992"/>
-            <a:ext cx="388076" cy="3603142"/>
+            <a:off x="5677321" y="1589812"/>
+            <a:ext cx="1030881" cy="2917264"/>
           </a:xfrm>
           <a:prstGeom prst="straightConnector1">
             <a:avLst/>
@@ -4831,8 +4783,8 @@
         </p:nvCxnSpPr>
         <p:spPr>
           <a:xfrm>
-            <a:off x="5210421" y="5445423"/>
-            <a:ext cx="0" cy="652198"/>
+            <a:off x="3884708" y="5562776"/>
+            <a:ext cx="0" cy="530542"/>
           </a:xfrm>
           <a:prstGeom prst="straightConnector1">
             <a:avLst/>
@@ -4864,8 +4816,8 @@
         </p:nvSpPr>
         <p:spPr>
           <a:xfrm>
-            <a:off x="4525376" y="6077711"/>
-            <a:ext cx="1718382" cy="646331"/>
+            <a:off x="3011549" y="6128254"/>
+            <a:ext cx="1396552" cy="465758"/>
           </a:xfrm>
           <a:prstGeom prst="rect">
             <a:avLst/>
@@ -4879,18 +4831,18 @@
           <a:lstStyle/>
           <a:p>
             <a:r>
-              <a:rPr lang="en-US" dirty="0" smtClean="0"/>
+              <a:rPr lang="en-US" sz="1400" dirty="0" smtClean="0"/>
               <a:t>(go to </a:t>
             </a:r>
             <a:r>
-              <a:rPr lang="en-US" dirty="0" err="1" smtClean="0"/>
+              <a:rPr lang="en-US" sz="1400" dirty="0" err="1" smtClean="0"/>
               <a:t>login.jsp</a:t>
             </a:r>
             <a:r>
-              <a:rPr lang="en-US" dirty="0" smtClean="0"/>
+              <a:rPr lang="en-US" sz="1400" dirty="0" smtClean="0"/>
               <a:t>: see top)</a:t>
             </a:r>
-            <a:endParaRPr lang="en-US" dirty="0"/>
+            <a:endParaRPr lang="en-US" sz="1400" dirty="0"/>
           </a:p>
         </p:txBody>
       </p:sp>
@@ -4905,8 +4857,8 @@
         </p:nvCxnSpPr>
         <p:spPr>
           <a:xfrm>
-            <a:off x="2557827" y="3391694"/>
-            <a:ext cx="1619256" cy="1762687"/>
+            <a:off x="2320638" y="4472638"/>
+            <a:ext cx="724263" cy="853385"/>
           </a:xfrm>
           <a:prstGeom prst="straightConnector1">
             <a:avLst/>
@@ -4941,8 +4893,8 @@
         </p:nvCxnSpPr>
         <p:spPr>
           <a:xfrm flipH="1">
-            <a:off x="6243758" y="1450840"/>
-            <a:ext cx="654634" cy="3703541"/>
+            <a:off x="4724515" y="2287893"/>
+            <a:ext cx="1883986" cy="3038130"/>
           </a:xfrm>
           <a:prstGeom prst="straightConnector1">
             <a:avLst/>
@@ -4977,13 +4929,13 @@
         </p:nvCxnSpPr>
         <p:spPr>
           <a:xfrm rot="5400000" flipH="1" flipV="1">
-            <a:off x="8281733" y="3777986"/>
-            <a:ext cx="291042" cy="1033337"/>
+            <a:off x="7849535" y="4205549"/>
+            <a:ext cx="236753" cy="839807"/>
           </a:xfrm>
           <a:prstGeom prst="curvedConnector4">
             <a:avLst>
-              <a:gd name="adj1" fmla="val -78545"/>
-              <a:gd name="adj2" fmla="val 122123"/>
+              <a:gd name="adj1" fmla="val -96556"/>
+              <a:gd name="adj2" fmla="val 127221"/>
             </a:avLst>
           </a:prstGeom>
           <a:ln>
@@ -5013,8 +4965,8 @@
         </p:nvSpPr>
         <p:spPr>
           <a:xfrm>
-            <a:off x="7910585" y="4540173"/>
-            <a:ext cx="1486724" cy="646331"/>
+            <a:off x="7820397" y="4825173"/>
+            <a:ext cx="1208280" cy="465758"/>
           </a:xfrm>
           <a:prstGeom prst="rect">
             <a:avLst/>
@@ -5028,14 +4980,10 @@
           <a:lstStyle/>
           <a:p>
             <a:r>
-              <a:rPr lang="en-US" dirty="0" smtClean="0"/>
-              <a:t>?action=…</a:t>
-            </a:r>
-            <a:r>
-              <a:rPr lang="en-US" dirty="0" smtClean="0"/>
-              <a:t>&amp;keyword=…</a:t>
-            </a:r>
-            <a:endParaRPr lang="en-US" dirty="0"/>
+              <a:rPr lang="en-US" sz="1400" dirty="0" smtClean="0"/>
+              <a:t>?action=…&amp;keyword=…</a:t>
+            </a:r>
+            <a:endParaRPr lang="en-US" sz="1400" dirty="0"/>
           </a:p>
         </p:txBody>
       </p:sp>
@@ -5047,8 +4995,8 @@
         </p:nvSpPr>
         <p:spPr>
           <a:xfrm>
-            <a:off x="6679015" y="5353963"/>
-            <a:ext cx="2066675" cy="582084"/>
+            <a:off x="6819485" y="5487165"/>
+            <a:ext cx="1679614" cy="473507"/>
           </a:xfrm>
           <a:prstGeom prst="rect">
             <a:avLst/>
@@ -5074,14 +5022,14 @@
           <a:p>
             <a:pPr algn="ctr"/>
             <a:r>
-              <a:rPr lang="en-US" dirty="0" err="1" smtClean="0">
+              <a:rPr lang="en-US" sz="1400" dirty="0" err="1" smtClean="0">
                 <a:solidFill>
                   <a:srgbClr val="000000"/>
                 </a:solidFill>
               </a:rPr>
               <a:t>products.jsp</a:t>
             </a:r>
-            <a:endParaRPr lang="en-US" dirty="0">
+            <a:endParaRPr lang="en-US" sz="1400" dirty="0">
               <a:solidFill>
                 <a:srgbClr val="000000"/>
               </a:solidFill>
@@ -5100,8 +5048,8 @@
         </p:nvCxnSpPr>
         <p:spPr>
           <a:xfrm rot="5400000" flipH="1" flipV="1">
-            <a:off x="8083500" y="5273857"/>
-            <a:ext cx="291042" cy="1033337"/>
+            <a:off x="7960819" y="5422391"/>
+            <a:ext cx="236753" cy="839807"/>
           </a:xfrm>
           <a:prstGeom prst="curvedConnector4">
             <a:avLst>
@@ -5136,8 +5084,8 @@
         </p:nvSpPr>
         <p:spPr>
           <a:xfrm>
-            <a:off x="7387248" y="6142056"/>
-            <a:ext cx="1486724" cy="646331"/>
+            <a:off x="7395075" y="6128254"/>
+            <a:ext cx="1208280" cy="465758"/>
           </a:xfrm>
           <a:prstGeom prst="rect">
             <a:avLst/>
@@ -5151,14 +5099,10 @@
           <a:lstStyle/>
           <a:p>
             <a:r>
-              <a:rPr lang="en-US" dirty="0" smtClean="0"/>
-              <a:t>?action=…</a:t>
-            </a:r>
-            <a:r>
-              <a:rPr lang="en-US" dirty="0" smtClean="0"/>
-              <a:t>&amp;keyword=…</a:t>
-            </a:r>
-            <a:endParaRPr lang="en-US" dirty="0"/>
+              <a:rPr lang="en-US" sz="1400" dirty="0" smtClean="0"/>
+              <a:t>?action=…&amp;keyword=…</a:t>
+            </a:r>
+            <a:endParaRPr lang="en-US" sz="1400" dirty="0"/>
           </a:p>
         </p:txBody>
       </p:sp>
@@ -5172,9 +5116,9 @@
           <p:nvPr/>
         </p:nvCxnSpPr>
         <p:spPr>
-          <a:xfrm flipH="1">
-            <a:off x="7712353" y="4440176"/>
-            <a:ext cx="198233" cy="913787"/>
+          <a:xfrm>
+            <a:off x="7548009" y="4743829"/>
+            <a:ext cx="111283" cy="743336"/>
           </a:xfrm>
           <a:prstGeom prst="straightConnector1">
             <a:avLst/>
@@ -5192,6 +5136,397 @@
           </a:fillRef>
           <a:effectRef idx="1">
             <a:schemeClr val="accent1"/>
+          </a:effectRef>
+          <a:fontRef idx="minor">
+            <a:schemeClr val="tx1"/>
+          </a:fontRef>
+        </p:style>
+      </p:cxnSp>
+      <p:sp>
+        <p:nvSpPr>
+          <p:cNvPr id="248" name="Regular Pentagon 247"/>
+          <p:cNvSpPr/>
+          <p:nvPr/>
+        </p:nvSpPr>
+        <p:spPr>
+          <a:xfrm>
+            <a:off x="1723253" y="52923"/>
+            <a:ext cx="1194769" cy="723287"/>
+          </a:xfrm>
+          <a:prstGeom prst="pentagon">
+            <a:avLst/>
+          </a:prstGeom>
+        </p:spPr>
+        <p:style>
+          <a:lnRef idx="1">
+            <a:schemeClr val="accent6"/>
+          </a:lnRef>
+          <a:fillRef idx="3">
+            <a:schemeClr val="accent6"/>
+          </a:fillRef>
+          <a:effectRef idx="2">
+            <a:schemeClr val="accent6"/>
+          </a:effectRef>
+          <a:fontRef idx="minor">
+            <a:schemeClr val="lt1"/>
+          </a:fontRef>
+        </p:style>
+        <p:txBody>
+          <a:bodyPr rtlCol="0" anchor="ctr"/>
+          <a:lstStyle/>
+          <a:p>
+            <a:pPr algn="ctr"/>
+            <a:r>
+              <a:rPr lang="en-US" sz="1400" dirty="0" smtClean="0"/>
+              <a:t>Session</a:t>
+            </a:r>
+            <a:endParaRPr lang="en-US" sz="1400" dirty="0"/>
+          </a:p>
+        </p:txBody>
+      </p:sp>
+      <p:cxnSp>
+        <p:nvCxnSpPr>
+          <p:cNvPr id="92" name="Straight Arrow Connector 91"/>
+          <p:cNvCxnSpPr>
+            <a:stCxn id="56" idx="0"/>
+            <a:endCxn id="248" idx="3"/>
+          </p:cNvCxnSpPr>
+          <p:nvPr/>
+        </p:nvCxnSpPr>
+        <p:spPr>
+          <a:xfrm flipV="1">
+            <a:off x="2320638" y="776210"/>
+            <a:ext cx="0" cy="408969"/>
+          </a:xfrm>
+          <a:prstGeom prst="straightConnector1">
+            <a:avLst/>
+          </a:prstGeom>
+          <a:ln>
+            <a:tailEnd type="arrow"/>
+          </a:ln>
+        </p:spPr>
+        <p:style>
+          <a:lnRef idx="1">
+            <a:schemeClr val="accent6"/>
+          </a:lnRef>
+          <a:fillRef idx="0">
+            <a:schemeClr val="accent6"/>
+          </a:fillRef>
+          <a:effectRef idx="0">
+            <a:schemeClr val="accent6"/>
+          </a:effectRef>
+          <a:fontRef idx="minor">
+            <a:schemeClr val="tx1"/>
+          </a:fontRef>
+        </p:style>
+      </p:cxnSp>
+      <p:sp>
+        <p:nvSpPr>
+          <p:cNvPr id="252" name="Can 251"/>
+          <p:cNvSpPr/>
+          <p:nvPr/>
+        </p:nvSpPr>
+        <p:spPr>
+          <a:xfrm>
+            <a:off x="7791359" y="176412"/>
+            <a:ext cx="1192913" cy="723287"/>
+          </a:xfrm>
+          <a:prstGeom prst="can">
+            <a:avLst/>
+          </a:prstGeom>
+        </p:spPr>
+        <p:style>
+          <a:lnRef idx="1">
+            <a:schemeClr val="accent4"/>
+          </a:lnRef>
+          <a:fillRef idx="2">
+            <a:schemeClr val="accent4"/>
+          </a:fillRef>
+          <a:effectRef idx="1">
+            <a:schemeClr val="accent4"/>
+          </a:effectRef>
+          <a:fontRef idx="minor">
+            <a:schemeClr val="dk1"/>
+          </a:fontRef>
+        </p:style>
+        <p:txBody>
+          <a:bodyPr rtlCol="0" anchor="ctr"/>
+          <a:lstStyle/>
+          <a:p>
+            <a:pPr algn="ctr"/>
+            <a:r>
+              <a:rPr lang="en-US" dirty="0" smtClean="0"/>
+              <a:t>DB</a:t>
+            </a:r>
+            <a:endParaRPr lang="en-US" dirty="0"/>
+          </a:p>
+        </p:txBody>
+      </p:sp>
+      <p:sp>
+        <p:nvSpPr>
+          <p:cNvPr id="112" name="Can 111"/>
+          <p:cNvSpPr/>
+          <p:nvPr/>
+        </p:nvSpPr>
+        <p:spPr>
+          <a:xfrm>
+            <a:off x="1723156" y="3013372"/>
+            <a:ext cx="1192913" cy="723287"/>
+          </a:xfrm>
+          <a:prstGeom prst="can">
+            <a:avLst/>
+          </a:prstGeom>
+        </p:spPr>
+        <p:style>
+          <a:lnRef idx="1">
+            <a:schemeClr val="accent4"/>
+          </a:lnRef>
+          <a:fillRef idx="2">
+            <a:schemeClr val="accent4"/>
+          </a:fillRef>
+          <a:effectRef idx="1">
+            <a:schemeClr val="accent4"/>
+          </a:effectRef>
+          <a:fontRef idx="minor">
+            <a:schemeClr val="dk1"/>
+          </a:fontRef>
+        </p:style>
+        <p:txBody>
+          <a:bodyPr rtlCol="0" anchor="ctr"/>
+          <a:lstStyle/>
+          <a:p>
+            <a:pPr algn="ctr"/>
+            <a:r>
+              <a:rPr lang="en-US" dirty="0" smtClean="0"/>
+              <a:t>DB</a:t>
+            </a:r>
+            <a:endParaRPr lang="en-US" dirty="0"/>
+          </a:p>
+        </p:txBody>
+      </p:sp>
+      <p:cxnSp>
+        <p:nvCxnSpPr>
+          <p:cNvPr id="256" name="Straight Arrow Connector 255"/>
+          <p:cNvCxnSpPr>
+            <a:stCxn id="233" idx="2"/>
+            <a:endCxn id="112" idx="1"/>
+          </p:cNvCxnSpPr>
+          <p:nvPr/>
+        </p:nvCxnSpPr>
+        <p:spPr>
+          <a:xfrm flipH="1">
+            <a:off x="2319613" y="2697887"/>
+            <a:ext cx="1025" cy="315485"/>
+          </a:xfrm>
+          <a:prstGeom prst="straightConnector1">
+            <a:avLst/>
+          </a:prstGeom>
+          <a:ln>
+            <a:tailEnd type="arrow"/>
+          </a:ln>
+        </p:spPr>
+        <p:style>
+          <a:lnRef idx="2">
+            <a:schemeClr val="accent4"/>
+          </a:lnRef>
+          <a:fillRef idx="0">
+            <a:schemeClr val="accent4"/>
+          </a:fillRef>
+          <a:effectRef idx="1">
+            <a:schemeClr val="accent4"/>
+          </a:effectRef>
+          <a:fontRef idx="minor">
+            <a:schemeClr val="tx1"/>
+          </a:fontRef>
+        </p:style>
+      </p:cxnSp>
+      <p:cxnSp>
+        <p:nvCxnSpPr>
+          <p:cNvPr id="113" name="Curved Connector 112"/>
+          <p:cNvCxnSpPr>
+            <a:stCxn id="21" idx="1"/>
+            <a:endCxn id="112" idx="2"/>
+          </p:cNvCxnSpPr>
+          <p:nvPr/>
+        </p:nvCxnSpPr>
+        <p:spPr>
+          <a:xfrm rot="10800000" flipH="1">
+            <a:off x="691858" y="3375016"/>
+            <a:ext cx="1031297" cy="2464142"/>
+          </a:xfrm>
+          <a:prstGeom prst="curvedConnector3">
+            <a:avLst>
+              <a:gd name="adj1" fmla="val -22166"/>
+            </a:avLst>
+          </a:prstGeom>
+          <a:ln>
+            <a:tailEnd type="arrow"/>
+          </a:ln>
+        </p:spPr>
+        <p:style>
+          <a:lnRef idx="2">
+            <a:schemeClr val="accent4"/>
+          </a:lnRef>
+          <a:fillRef idx="0">
+            <a:schemeClr val="accent4"/>
+          </a:fillRef>
+          <a:effectRef idx="1">
+            <a:schemeClr val="accent4"/>
+          </a:effectRef>
+          <a:fontRef idx="minor">
+            <a:schemeClr val="tx1"/>
+          </a:fontRef>
+        </p:style>
+      </p:cxnSp>
+      <p:cxnSp>
+        <p:nvCxnSpPr>
+          <p:cNvPr id="116" name="Curved Connector 115"/>
+          <p:cNvCxnSpPr>
+            <a:stCxn id="19" idx="3"/>
+            <a:endCxn id="252" idx="3"/>
+          </p:cNvCxnSpPr>
+          <p:nvPr/>
+        </p:nvCxnSpPr>
+        <p:spPr>
+          <a:xfrm flipH="1" flipV="1">
+            <a:off x="8387816" y="899699"/>
+            <a:ext cx="148366" cy="2496272"/>
+          </a:xfrm>
+          <a:prstGeom prst="curvedConnector4">
+            <a:avLst>
+              <a:gd name="adj1" fmla="val -154078"/>
+              <a:gd name="adj2" fmla="val 54742"/>
+            </a:avLst>
+          </a:prstGeom>
+          <a:ln>
+            <a:tailEnd type="arrow"/>
+          </a:ln>
+        </p:spPr>
+        <p:style>
+          <a:lnRef idx="2">
+            <a:schemeClr val="accent4"/>
+          </a:lnRef>
+          <a:fillRef idx="0">
+            <a:schemeClr val="accent4"/>
+          </a:fillRef>
+          <a:effectRef idx="1">
+            <a:schemeClr val="accent4"/>
+          </a:effectRef>
+          <a:fontRef idx="minor">
+            <a:schemeClr val="tx1"/>
+          </a:fontRef>
+        </p:style>
+      </p:cxnSp>
+      <p:sp>
+        <p:nvSpPr>
+          <p:cNvPr id="320" name="Can 319"/>
+          <p:cNvSpPr/>
+          <p:nvPr/>
+        </p:nvSpPr>
+        <p:spPr>
+          <a:xfrm>
+            <a:off x="5080864" y="5672968"/>
+            <a:ext cx="1192913" cy="723287"/>
+          </a:xfrm>
+          <a:prstGeom prst="can">
+            <a:avLst/>
+          </a:prstGeom>
+        </p:spPr>
+        <p:style>
+          <a:lnRef idx="1">
+            <a:schemeClr val="accent4"/>
+          </a:lnRef>
+          <a:fillRef idx="2">
+            <a:schemeClr val="accent4"/>
+          </a:fillRef>
+          <a:effectRef idx="1">
+            <a:schemeClr val="accent4"/>
+          </a:effectRef>
+          <a:fontRef idx="minor">
+            <a:schemeClr val="dk1"/>
+          </a:fontRef>
+        </p:style>
+        <p:txBody>
+          <a:bodyPr rtlCol="0" anchor="ctr"/>
+          <a:lstStyle/>
+          <a:p>
+            <a:pPr algn="ctr"/>
+            <a:r>
+              <a:rPr lang="en-US" dirty="0" smtClean="0"/>
+              <a:t>DB</a:t>
+            </a:r>
+            <a:endParaRPr lang="en-US" dirty="0"/>
+          </a:p>
+        </p:txBody>
+      </p:sp>
+      <p:cxnSp>
+        <p:nvCxnSpPr>
+          <p:cNvPr id="321" name="Curved Connector 320"/>
+          <p:cNvCxnSpPr>
+            <a:stCxn id="285" idx="1"/>
+            <a:endCxn id="320" idx="1"/>
+          </p:cNvCxnSpPr>
+          <p:nvPr/>
+        </p:nvCxnSpPr>
+        <p:spPr>
+          <a:xfrm rot="10800000" flipV="1">
+            <a:off x="5677322" y="4507076"/>
+            <a:ext cx="1030881" cy="1165892"/>
+          </a:xfrm>
+          <a:prstGeom prst="curvedConnector2">
+            <a:avLst/>
+          </a:prstGeom>
+          <a:ln>
+            <a:tailEnd type="arrow"/>
+          </a:ln>
+        </p:spPr>
+        <p:style>
+          <a:lnRef idx="2">
+            <a:schemeClr val="accent4"/>
+          </a:lnRef>
+          <a:fillRef idx="0">
+            <a:schemeClr val="accent4"/>
+          </a:fillRef>
+          <a:effectRef idx="1">
+            <a:schemeClr val="accent4"/>
+          </a:effectRef>
+          <a:fontRef idx="minor">
+            <a:schemeClr val="tx1"/>
+          </a:fontRef>
+        </p:style>
+      </p:cxnSp>
+      <p:cxnSp>
+        <p:nvCxnSpPr>
+          <p:cNvPr id="322" name="Curved Connector 321"/>
+          <p:cNvCxnSpPr>
+            <a:stCxn id="50" idx="1"/>
+            <a:endCxn id="320" idx="4"/>
+          </p:cNvCxnSpPr>
+          <p:nvPr/>
+        </p:nvCxnSpPr>
+        <p:spPr>
+          <a:xfrm rot="10800000" flipV="1">
+            <a:off x="6273777" y="5723918"/>
+            <a:ext cx="545708" cy="310693"/>
+          </a:xfrm>
+          <a:prstGeom prst="curvedConnector3">
+            <a:avLst>
+              <a:gd name="adj1" fmla="val 50000"/>
+            </a:avLst>
+          </a:prstGeom>
+          <a:ln>
+            <a:tailEnd type="arrow"/>
+          </a:ln>
+        </p:spPr>
+        <p:style>
+          <a:lnRef idx="2">
+            <a:schemeClr val="accent4"/>
+          </a:lnRef>
+          <a:fillRef idx="0">
+            <a:schemeClr val="accent4"/>
+          </a:fillRef>
+          <a:effectRef idx="1">
+            <a:schemeClr val="accent4"/>
           </a:effectRef>
           <a:fontRef idx="minor">
             <a:schemeClr val="tx1"/>
